--- a/PPTs/L6-Exercises.pptx
+++ b/PPTs/L6-Exercises.pptx
@@ -5,14 +5,16 @@
     <p:sldMasterId id="2147483648" r:id="rId1"/>
   </p:sldMasterIdLst>
   <p:notesMasterIdLst>
-    <p:notesMasterId r:id="rId4"/>
+    <p:notesMasterId r:id="rId6"/>
   </p:notesMasterIdLst>
   <p:handoutMasterIdLst>
-    <p:handoutMasterId r:id="rId5"/>
+    <p:handoutMasterId r:id="rId7"/>
   </p:handoutMasterIdLst>
   <p:sldIdLst>
     <p:sldId id="256" r:id="rId2"/>
-    <p:sldId id="917" r:id="rId3"/>
+    <p:sldId id="918" r:id="rId3"/>
+    <p:sldId id="928" r:id="rId4"/>
+    <p:sldId id="916" r:id="rId5"/>
   </p:sldIdLst>
   <p:sldSz cx="12192000" cy="6858000"/>
   <p:notesSz cx="9601200" cy="7315200"/>
@@ -3526,7 +3528,7 @@
             </a:br>
             <a:r>
               <a:rPr lang="en-GB" altLang="zh-CN" sz="3000" dirty="0"/>
-              <a:t>Exercises ANS</a:t>
+              <a:t>Exercises</a:t>
             </a:r>
             <a:endParaRPr lang="en-US" sz="3000" dirty="0"/>
           </a:p>
@@ -3578,71 +3580,6 @@
           </a:p>
         </p:txBody>
       </p:sp>
-      <p:sp>
-        <p:nvSpPr>
-          <p:cNvPr id="2" name="TextBox 1">
-            <a:extLst>
-              <a:ext uri="{FF2B5EF4-FFF2-40B4-BE49-F238E27FC236}">
-                <a16:creationId xmlns:a16="http://schemas.microsoft.com/office/drawing/2014/main" id="{9C57E4A3-9D39-57A8-5B40-7A2E574F4F28}"/>
-              </a:ext>
-            </a:extLst>
-          </p:cNvPr>
-          <p:cNvSpPr txBox="1"/>
-          <p:nvPr/>
-        </p:nvSpPr>
-        <p:spPr>
-          <a:xfrm>
-            <a:off x="2713676" y="6477000"/>
-            <a:ext cx="6840847" cy="276999"/>
-          </a:xfrm>
-          <a:prstGeom prst="rect">
-            <a:avLst/>
-          </a:prstGeom>
-        </p:spPr>
-        <p:style>
-          <a:lnRef idx="2">
-            <a:schemeClr val="accent5"/>
-          </a:lnRef>
-          <a:fillRef idx="1">
-            <a:schemeClr val="lt1"/>
-          </a:fillRef>
-          <a:effectRef idx="0">
-            <a:schemeClr val="accent5"/>
-          </a:effectRef>
-          <a:fontRef idx="minor">
-            <a:schemeClr val="dk1"/>
-          </a:fontRef>
-        </p:style>
-        <p:txBody>
-          <a:bodyPr wrap="none" rtlCol="0">
-            <a:spAutoFit/>
-          </a:bodyPr>
-          <a:lstStyle/>
-          <a:p>
-            <a:r>
-              <a:rPr lang="en-US" altLang="zh-CN" sz="1200" dirty="0">
-                <a:latin typeface="Gill Sans Light"/>
-              </a:rPr>
-              <a:t>Acknowledgement: Lecture slides based on UC Berkeley </a:t>
-            </a:r>
-            <a:r>
-              <a:rPr lang="en-GB" altLang="zh-CN" sz="1200" dirty="0">
-                <a:latin typeface="Gill Sans Light"/>
-              </a:rPr>
-              <a:t>CS 162: Operating Systems and System Programming</a:t>
-            </a:r>
-            <a:r>
-              <a:rPr lang="en-US" altLang="zh-CN" sz="1200" dirty="0">
-                <a:latin typeface="Gill Sans Light"/>
-              </a:rPr>
-              <a:t> </a:t>
-            </a:r>
-            <a:endParaRPr lang="en-SE" sz="1200" dirty="0">
-              <a:latin typeface="Gill Sans Light"/>
-            </a:endParaRPr>
-          </a:p>
-        </p:txBody>
-      </p:sp>
     </p:spTree>
   </p:cSld>
   <p:clrMapOvr>
@@ -3657,10 +3594,1580 @@
   <p:cSld>
     <p:spTree>
       <p:nvGrpSpPr>
+        <p:cNvPr id="1" name=""/>
+        <p:cNvGrpSpPr/>
+        <p:nvPr/>
+      </p:nvGrpSpPr>
+      <p:grpSpPr>
+        <a:xfrm>
+          <a:off x="0" y="0"/>
+          <a:ext cx="0" cy="0"/>
+          <a:chOff x="0" y="0"/>
+          <a:chExt cx="0" cy="0"/>
+        </a:xfrm>
+      </p:grpSpPr>
+      <p:sp>
+        <p:nvSpPr>
+          <p:cNvPr id="2" name="Title 1">
+            <a:extLst>
+              <a:ext uri="{FF2B5EF4-FFF2-40B4-BE49-F238E27FC236}">
+                <a16:creationId xmlns:a16="http://schemas.microsoft.com/office/drawing/2014/main" id="{0A5DE959-3EE4-64EA-3BE7-3448A999C263}"/>
+              </a:ext>
+            </a:extLst>
+          </p:cNvPr>
+          <p:cNvSpPr>
+            <a:spLocks noGrp="1"/>
+          </p:cNvSpPr>
+          <p:nvPr>
+            <p:ph type="title"/>
+          </p:nvPr>
+        </p:nvSpPr>
+        <p:spPr/>
+        <p:txBody>
+          <a:bodyPr/>
+          <a:lstStyle/>
+          <a:p>
+            <a:r>
+              <a:rPr lang="en-GB" dirty="0"/>
+              <a:t>Q1. </a:t>
+            </a:r>
+            <a:r>
+              <a:rPr lang="en-GB" dirty="0" err="1"/>
+              <a:t>Schedulability</a:t>
+            </a:r>
+            <a:r>
+              <a:rPr lang="en-GB" dirty="0"/>
+              <a:t> under RM or EDF</a:t>
+            </a:r>
+            <a:endParaRPr lang="en-SE" dirty="0"/>
+          </a:p>
+        </p:txBody>
+      </p:sp>
+      <p:sp>
+        <p:nvSpPr>
+          <p:cNvPr id="3" name="Content Placeholder 2">
+            <a:extLst>
+              <a:ext uri="{FF2B5EF4-FFF2-40B4-BE49-F238E27FC236}">
+                <a16:creationId xmlns:a16="http://schemas.microsoft.com/office/drawing/2014/main" id="{16D2C72A-6DD1-2E67-BDDE-88621E58E0DA}"/>
+              </a:ext>
+            </a:extLst>
+          </p:cNvPr>
+          <p:cNvSpPr>
+            <a:spLocks noGrp="1"/>
+          </p:cNvSpPr>
+          <p:nvPr>
+            <p:ph idx="1"/>
+          </p:nvPr>
+        </p:nvSpPr>
+        <p:spPr/>
+        <p:txBody>
+          <a:bodyPr/>
+          <a:lstStyle/>
+          <a:p>
+            <a:r>
+              <a:rPr lang="en-GB" dirty="0"/>
+              <a:t>Determine </a:t>
+            </a:r>
+            <a:r>
+              <a:rPr lang="en-GB" dirty="0" err="1"/>
+              <a:t>schedulability</a:t>
+            </a:r>
+            <a:r>
+              <a:rPr lang="en-GB" dirty="0"/>
+              <a:t> of the following tasksets under (1) Rate Monotonic (RM) scheduling, using Utilization Bound test and/or Response Time Analysis (RTA) to determine taskset </a:t>
+            </a:r>
+            <a:r>
+              <a:rPr lang="en-GB" dirty="0" err="1"/>
+              <a:t>schedulability</a:t>
+            </a:r>
+            <a:r>
+              <a:rPr lang="en-GB" dirty="0"/>
+              <a:t>. (2) Earliest Deadline First (EDF) scheduling, using Utilization Bound test. </a:t>
+            </a:r>
+            <a:r>
+              <a:rPr lang="en-GB" sz="2400" b="0" dirty="0">
+                <a:latin typeface="Gill Sans Light"/>
+              </a:rPr>
+              <a:t>We use the notation </a:t>
+            </a:r>
+            <a:r>
+              <a:rPr lang="en-GB" sz="2400" b="0" dirty="0">
+                <a:latin typeface="Symbol"/>
+                <a:cs typeface="Times New Roman" panose="02020603050405020304" pitchFamily="18" charset="0"/>
+              </a:rPr>
+              <a:t></a:t>
+            </a:r>
+            <a:r>
+              <a:rPr lang="en-GB" sz="2400" b="0" baseline="-7716" dirty="0">
+                <a:latin typeface="Times New Roman"/>
+                <a:cs typeface="Times New Roman"/>
+              </a:rPr>
+              <a:t>i</a:t>
+            </a:r>
+            <a:r>
+              <a:rPr lang="en-GB" sz="2400" b="0" spc="-40" baseline="-7716" dirty="0">
+                <a:latin typeface="Times New Roman"/>
+                <a:cs typeface="Times New Roman"/>
+              </a:rPr>
+              <a:t> </a:t>
+            </a:r>
+            <a:r>
+              <a:rPr lang="en-GB" sz="2400" b="0" dirty="0">
+                <a:latin typeface="Times New Roman"/>
+                <a:cs typeface="Times New Roman"/>
+              </a:rPr>
+              <a:t>(C</a:t>
+            </a:r>
+            <a:r>
+              <a:rPr lang="en-GB" sz="2400" b="0" baseline="-7716" dirty="0">
+                <a:latin typeface="Times New Roman"/>
+                <a:cs typeface="Times New Roman"/>
+              </a:rPr>
+              <a:t>i</a:t>
+            </a:r>
+            <a:r>
+              <a:rPr lang="en-GB" sz="2400" b="0" dirty="0">
+                <a:latin typeface="Times New Roman"/>
+                <a:cs typeface="Times New Roman"/>
+              </a:rPr>
+              <a:t>,</a:t>
+            </a:r>
+            <a:r>
+              <a:rPr lang="en-GB" sz="2400" b="0" spc="-64" dirty="0">
+                <a:latin typeface="Times New Roman"/>
+                <a:cs typeface="Times New Roman"/>
+              </a:rPr>
+              <a:t> </a:t>
+            </a:r>
+            <a:r>
+              <a:rPr lang="en-GB" sz="2400" b="0" dirty="0">
+                <a:latin typeface="Times New Roman"/>
+                <a:cs typeface="Times New Roman"/>
+              </a:rPr>
+              <a:t>T</a:t>
+            </a:r>
+            <a:r>
+              <a:rPr lang="en-GB" sz="2400" b="0" baseline="-7716" dirty="0">
+                <a:latin typeface="Times New Roman"/>
+                <a:cs typeface="Times New Roman"/>
+              </a:rPr>
+              <a:t>i</a:t>
+            </a:r>
+            <a:r>
+              <a:rPr lang="en-GB" sz="2400" b="0" spc="-20" baseline="-7716" dirty="0">
+                <a:latin typeface="Times New Roman"/>
+                <a:cs typeface="Times New Roman"/>
+              </a:rPr>
+              <a:t>, </a:t>
+            </a:r>
+            <a:r>
+              <a:rPr lang="en-GB" sz="2400" b="0" dirty="0">
+                <a:latin typeface="Times New Roman"/>
+                <a:cs typeface="Times New Roman"/>
+              </a:rPr>
+              <a:t>D</a:t>
+            </a:r>
+            <a:r>
+              <a:rPr lang="en-GB" sz="2400" b="0" baseline="-7716" dirty="0">
+                <a:latin typeface="Times New Roman"/>
+                <a:cs typeface="Times New Roman"/>
+              </a:rPr>
+              <a:t>i</a:t>
+            </a:r>
+            <a:r>
+              <a:rPr lang="en-GB" sz="2400" b="0" dirty="0">
+                <a:latin typeface="Times New Roman"/>
+                <a:cs typeface="Times New Roman"/>
+              </a:rPr>
+              <a:t>) </a:t>
+            </a:r>
+            <a:r>
+              <a:rPr lang="en-GB" sz="2400" b="0" dirty="0">
+                <a:latin typeface="Gill Sans Light"/>
+              </a:rPr>
+              <a:t>to denote task </a:t>
+            </a:r>
+            <a:r>
+              <a:rPr lang="en-GB" sz="2400" b="0" dirty="0">
+                <a:latin typeface="Symbol"/>
+                <a:cs typeface="Times New Roman" panose="02020603050405020304" pitchFamily="18" charset="0"/>
+              </a:rPr>
+              <a:t></a:t>
+            </a:r>
+            <a:r>
+              <a:rPr lang="en-GB" sz="2400" b="0" baseline="-7716" dirty="0">
+                <a:latin typeface="Times New Roman"/>
+                <a:cs typeface="Times New Roman"/>
+              </a:rPr>
+              <a:t>i</a:t>
+            </a:r>
+            <a:r>
+              <a:rPr lang="en-GB" sz="2400" b="0" dirty="0">
+                <a:latin typeface="Gill Sans Light"/>
+              </a:rPr>
+              <a:t> with WCET </a:t>
+            </a:r>
+            <a:r>
+              <a:rPr lang="en-GB" sz="2400" b="0" dirty="0">
+                <a:latin typeface="Times New Roman"/>
+                <a:cs typeface="Times New Roman"/>
+              </a:rPr>
+              <a:t>C</a:t>
+            </a:r>
+            <a:r>
+              <a:rPr lang="en-GB" sz="2400" b="0" baseline="-7716" dirty="0">
+                <a:latin typeface="Times New Roman"/>
+                <a:cs typeface="Times New Roman"/>
+              </a:rPr>
+              <a:t>i</a:t>
+            </a:r>
+            <a:r>
+              <a:rPr lang="en-GB" sz="2400" b="0" dirty="0">
+                <a:latin typeface="Times New Roman"/>
+                <a:cs typeface="Times New Roman"/>
+              </a:rPr>
+              <a:t> </a:t>
+            </a:r>
+            <a:r>
+              <a:rPr lang="en-GB" sz="2400" b="0" dirty="0">
+                <a:latin typeface="Gill Sans Light"/>
+              </a:rPr>
+              <a:t>Period</a:t>
+            </a:r>
+            <a:r>
+              <a:rPr lang="en-GB" sz="2400" b="0" dirty="0">
+                <a:latin typeface="Times New Roman"/>
+                <a:cs typeface="Times New Roman"/>
+              </a:rPr>
+              <a:t> T</a:t>
+            </a:r>
+            <a:r>
+              <a:rPr lang="en-GB" sz="2400" b="0" baseline="-7716" dirty="0">
+                <a:latin typeface="Times New Roman"/>
+                <a:cs typeface="Times New Roman"/>
+              </a:rPr>
+              <a:t>i</a:t>
+            </a:r>
+            <a:r>
+              <a:rPr lang="en-GB" sz="2400" b="0" spc="-20" baseline="-7716" dirty="0">
+                <a:latin typeface="Times New Roman"/>
+                <a:cs typeface="Times New Roman"/>
+              </a:rPr>
+              <a:t>, </a:t>
+            </a:r>
+            <a:r>
+              <a:rPr lang="en-GB" sz="2400" b="0" dirty="0">
+                <a:latin typeface="Gill Sans Light"/>
+              </a:rPr>
+              <a:t>Deadline </a:t>
+            </a:r>
+            <a:r>
+              <a:rPr lang="en-GB" sz="2400" b="0" dirty="0">
+                <a:latin typeface="Times New Roman"/>
+                <a:cs typeface="Times New Roman"/>
+              </a:rPr>
+              <a:t>D</a:t>
+            </a:r>
+            <a:r>
+              <a:rPr lang="en-GB" sz="2400" b="0" baseline="-7716" dirty="0">
+                <a:latin typeface="Times New Roman"/>
+                <a:cs typeface="Times New Roman"/>
+              </a:rPr>
+              <a:t>i </a:t>
+            </a:r>
+            <a:r>
+              <a:rPr lang="en-GB" dirty="0">
+                <a:latin typeface="Gill Sans Light"/>
+              </a:rPr>
+              <a:t>(c.f. Slide 33 in Lecture 6)</a:t>
+            </a:r>
+            <a:endParaRPr lang="en-SE" dirty="0">
+              <a:latin typeface="Gill Sans Light"/>
+            </a:endParaRPr>
+          </a:p>
+          <a:p>
+            <a:r>
+              <a:rPr lang="en-GB" spc="-45" dirty="0">
+                <a:latin typeface="Times New Roman"/>
+                <a:cs typeface="Times New Roman"/>
+              </a:rPr>
+              <a:t>1) </a:t>
+            </a:r>
+            <a:r>
+              <a:rPr lang="en-GB" sz="2400" b="0" dirty="0">
+                <a:latin typeface="Gill Sans Light"/>
+              </a:rPr>
+              <a:t>Taskset </a:t>
+            </a:r>
+            <a:r>
+              <a:rPr lang="en-GB" sz="2400" dirty="0">
+                <a:latin typeface="Symbol"/>
+                <a:cs typeface="Times New Roman" panose="02020603050405020304" pitchFamily="18" charset="0"/>
+              </a:rPr>
+              <a:t></a:t>
+            </a:r>
+            <a:r>
+              <a:rPr lang="en-GB" sz="2400" b="0" baseline="-7716" dirty="0">
+                <a:latin typeface="Times New Roman"/>
+                <a:cs typeface="Times New Roman"/>
+              </a:rPr>
+              <a:t>1</a:t>
+            </a:r>
+            <a:r>
+              <a:rPr lang="en-GB" sz="2400" b="0" spc="-40" baseline="-7716" dirty="0">
+                <a:latin typeface="Times New Roman"/>
+                <a:cs typeface="Times New Roman"/>
+              </a:rPr>
+              <a:t> </a:t>
+            </a:r>
+            <a:r>
+              <a:rPr lang="en-GB" sz="2400" b="0" dirty="0">
+                <a:latin typeface="Times New Roman"/>
+                <a:cs typeface="Times New Roman"/>
+              </a:rPr>
+              <a:t>(3,</a:t>
+            </a:r>
+            <a:r>
+              <a:rPr lang="en-GB" sz="2400" b="0" spc="-64" dirty="0">
+                <a:latin typeface="Times New Roman"/>
+                <a:cs typeface="Times New Roman"/>
+              </a:rPr>
+              <a:t> </a:t>
+            </a:r>
+            <a:r>
+              <a:rPr lang="en-GB" sz="2400" b="0" dirty="0">
+                <a:latin typeface="Times New Roman"/>
+                <a:cs typeface="Times New Roman"/>
+              </a:rPr>
+              <a:t>6,</a:t>
+            </a:r>
+            <a:r>
+              <a:rPr lang="en-GB" sz="2400" b="0" spc="-23" dirty="0">
+                <a:latin typeface="Times New Roman"/>
+                <a:cs typeface="Times New Roman"/>
+              </a:rPr>
+              <a:t> </a:t>
+            </a:r>
+            <a:r>
+              <a:rPr lang="en-GB" sz="2400" b="0" dirty="0">
+                <a:latin typeface="Times New Roman"/>
+                <a:cs typeface="Times New Roman"/>
+              </a:rPr>
+              <a:t>6</a:t>
+            </a:r>
+            <a:r>
+              <a:rPr lang="en-GB" sz="2400" b="0" spc="-45" dirty="0">
+                <a:latin typeface="Times New Roman"/>
+                <a:cs typeface="Times New Roman"/>
+              </a:rPr>
+              <a:t>), </a:t>
+            </a:r>
+            <a:r>
+              <a:rPr lang="en-GB" sz="2400" b="0" dirty="0">
+                <a:latin typeface="Symbol"/>
+                <a:cs typeface="Times New Roman" panose="02020603050405020304" pitchFamily="18" charset="0"/>
+              </a:rPr>
+              <a:t></a:t>
+            </a:r>
+            <a:r>
+              <a:rPr lang="en-GB" sz="2400" b="0" baseline="-7716" dirty="0">
+                <a:latin typeface="Times New Roman"/>
+                <a:cs typeface="Times New Roman"/>
+              </a:rPr>
+              <a:t>2</a:t>
+            </a:r>
+            <a:r>
+              <a:rPr lang="en-GB" sz="2400" b="0" spc="-40" baseline="-7716" dirty="0">
+                <a:latin typeface="Times New Roman"/>
+                <a:cs typeface="Times New Roman"/>
+              </a:rPr>
+              <a:t> </a:t>
+            </a:r>
+            <a:r>
+              <a:rPr lang="en-GB" sz="2400" b="0" dirty="0">
+                <a:latin typeface="Times New Roman"/>
+                <a:cs typeface="Times New Roman"/>
+              </a:rPr>
+              <a:t>(4,</a:t>
+            </a:r>
+            <a:r>
+              <a:rPr lang="en-GB" sz="2400" b="0" spc="-64" dirty="0">
+                <a:latin typeface="Times New Roman"/>
+                <a:cs typeface="Times New Roman"/>
+              </a:rPr>
+              <a:t> </a:t>
+            </a:r>
+            <a:r>
+              <a:rPr lang="en-GB" sz="2400" b="0" dirty="0">
+                <a:latin typeface="Times New Roman"/>
+                <a:cs typeface="Times New Roman"/>
+              </a:rPr>
+              <a:t>9,</a:t>
+            </a:r>
+            <a:r>
+              <a:rPr lang="en-GB" sz="2400" b="0" spc="-23" dirty="0">
+                <a:latin typeface="Times New Roman"/>
+                <a:cs typeface="Times New Roman"/>
+              </a:rPr>
+              <a:t> </a:t>
+            </a:r>
+            <a:r>
+              <a:rPr lang="en-GB" sz="2400" b="0" dirty="0">
+                <a:latin typeface="Times New Roman"/>
+                <a:cs typeface="Times New Roman"/>
+              </a:rPr>
+              <a:t>9</a:t>
+            </a:r>
+            <a:r>
+              <a:rPr lang="en-GB" sz="2400" b="0" spc="-45" dirty="0">
+                <a:latin typeface="Times New Roman"/>
+                <a:cs typeface="Times New Roman"/>
+              </a:rPr>
+              <a:t>)</a:t>
+            </a:r>
+            <a:endParaRPr lang="en-GB" sz="2400" b="0" dirty="0">
+              <a:latin typeface="Times New Roman"/>
+              <a:cs typeface="Times New Roman"/>
+            </a:endParaRPr>
+          </a:p>
+          <a:p>
+            <a:r>
+              <a:rPr lang="en-GB" b="0" dirty="0">
+                <a:latin typeface="Gill Sans Light"/>
+              </a:rPr>
+              <a:t>2) </a:t>
+            </a:r>
+            <a:r>
+              <a:rPr lang="en-GB" sz="2400" b="0" dirty="0">
+                <a:latin typeface="Gill Sans Light"/>
+              </a:rPr>
+              <a:t>Taskset </a:t>
+            </a:r>
+            <a:r>
+              <a:rPr lang="en-GB" sz="2400" dirty="0">
+                <a:latin typeface="Symbol"/>
+                <a:cs typeface="Times New Roman" panose="02020603050405020304" pitchFamily="18" charset="0"/>
+              </a:rPr>
+              <a:t></a:t>
+            </a:r>
+            <a:r>
+              <a:rPr lang="en-GB" sz="2400" b="0" baseline="-7716" dirty="0">
+                <a:latin typeface="Times New Roman"/>
+                <a:cs typeface="Times New Roman"/>
+              </a:rPr>
+              <a:t>1</a:t>
+            </a:r>
+            <a:r>
+              <a:rPr lang="en-GB" sz="2400" b="0" spc="-40" baseline="-7716" dirty="0">
+                <a:latin typeface="Times New Roman"/>
+                <a:cs typeface="Times New Roman"/>
+              </a:rPr>
+              <a:t> </a:t>
+            </a:r>
+            <a:r>
+              <a:rPr lang="en-GB" sz="2400" b="0" dirty="0">
+                <a:latin typeface="Times New Roman"/>
+                <a:cs typeface="Times New Roman"/>
+              </a:rPr>
+              <a:t>(3,</a:t>
+            </a:r>
+            <a:r>
+              <a:rPr lang="en-GB" sz="2400" b="0" spc="-64" dirty="0">
+                <a:latin typeface="Times New Roman"/>
+                <a:cs typeface="Times New Roman"/>
+              </a:rPr>
+              <a:t> </a:t>
+            </a:r>
+            <a:r>
+              <a:rPr lang="en-GB" sz="2400" b="0" dirty="0">
+                <a:latin typeface="Times New Roman"/>
+                <a:cs typeface="Times New Roman"/>
+              </a:rPr>
+              <a:t>6,</a:t>
+            </a:r>
+            <a:r>
+              <a:rPr lang="en-GB" sz="2400" b="0" spc="-23" dirty="0">
+                <a:latin typeface="Times New Roman"/>
+                <a:cs typeface="Times New Roman"/>
+              </a:rPr>
+              <a:t> </a:t>
+            </a:r>
+            <a:r>
+              <a:rPr lang="en-GB" sz="2400" b="0" dirty="0">
+                <a:latin typeface="Times New Roman"/>
+                <a:cs typeface="Times New Roman"/>
+              </a:rPr>
+              <a:t>6</a:t>
+            </a:r>
+            <a:r>
+              <a:rPr lang="en-GB" sz="2400" b="0" spc="-45" dirty="0">
+                <a:latin typeface="Times New Roman"/>
+                <a:cs typeface="Times New Roman"/>
+              </a:rPr>
+              <a:t>), </a:t>
+            </a:r>
+            <a:r>
+              <a:rPr lang="en-GB" sz="2400" b="0" dirty="0">
+                <a:latin typeface="Symbol"/>
+                <a:cs typeface="Times New Roman" panose="02020603050405020304" pitchFamily="18" charset="0"/>
+              </a:rPr>
+              <a:t></a:t>
+            </a:r>
+            <a:r>
+              <a:rPr lang="en-GB" sz="2400" b="0" baseline="-7716" dirty="0">
+                <a:latin typeface="Times New Roman"/>
+                <a:cs typeface="Times New Roman"/>
+              </a:rPr>
+              <a:t>2</a:t>
+            </a:r>
+            <a:r>
+              <a:rPr lang="en-GB" sz="2400" b="0" spc="-40" baseline="-7716" dirty="0">
+                <a:latin typeface="Times New Roman"/>
+                <a:cs typeface="Times New Roman"/>
+              </a:rPr>
+              <a:t> </a:t>
+            </a:r>
+            <a:r>
+              <a:rPr lang="en-GB" sz="2400" b="0" dirty="0">
+                <a:latin typeface="Times New Roman"/>
+                <a:cs typeface="Times New Roman"/>
+              </a:rPr>
+              <a:t>(3,</a:t>
+            </a:r>
+            <a:r>
+              <a:rPr lang="en-GB" sz="2400" b="0" spc="-64" dirty="0">
+                <a:latin typeface="Times New Roman"/>
+                <a:cs typeface="Times New Roman"/>
+              </a:rPr>
+              <a:t> </a:t>
+            </a:r>
+            <a:r>
+              <a:rPr lang="en-GB" sz="2400" b="0" dirty="0">
+                <a:latin typeface="Times New Roman"/>
+                <a:cs typeface="Times New Roman"/>
+              </a:rPr>
+              <a:t>9,</a:t>
+            </a:r>
+            <a:r>
+              <a:rPr lang="en-GB" sz="2400" b="0" spc="-23" dirty="0">
+                <a:latin typeface="Times New Roman"/>
+                <a:cs typeface="Times New Roman"/>
+              </a:rPr>
+              <a:t> </a:t>
+            </a:r>
+            <a:r>
+              <a:rPr lang="en-GB" sz="2400" b="0" dirty="0">
+                <a:latin typeface="Times New Roman"/>
+                <a:cs typeface="Times New Roman"/>
+              </a:rPr>
+              <a:t>9</a:t>
+            </a:r>
+            <a:r>
+              <a:rPr lang="en-GB" sz="2400" b="0" spc="-45" dirty="0">
+                <a:latin typeface="Times New Roman"/>
+                <a:cs typeface="Times New Roman"/>
+              </a:rPr>
+              <a:t>)</a:t>
+            </a:r>
+            <a:endParaRPr lang="en-GB" spc="-45" dirty="0">
+              <a:latin typeface="Gill Sans Light"/>
+              <a:cs typeface="Times New Roman"/>
+            </a:endParaRPr>
+          </a:p>
+          <a:p>
+            <a:r>
+              <a:rPr lang="en-GB" sz="2400" b="0" spc="-45" dirty="0">
+                <a:latin typeface="Gill Sans Light"/>
+                <a:cs typeface="Times New Roman"/>
+              </a:rPr>
+              <a:t>3) </a:t>
+            </a:r>
+            <a:r>
+              <a:rPr lang="en-GB" sz="2400" b="0" dirty="0">
+                <a:latin typeface="Gill Sans Light"/>
+              </a:rPr>
+              <a:t>Taskset </a:t>
+            </a:r>
+            <a:r>
+              <a:rPr lang="en-GB" sz="2400" dirty="0">
+                <a:latin typeface="Symbol"/>
+                <a:cs typeface="Times New Roman" panose="02020603050405020304" pitchFamily="18" charset="0"/>
+              </a:rPr>
+              <a:t></a:t>
+            </a:r>
+            <a:r>
+              <a:rPr lang="en-GB" sz="2400" b="0" baseline="-7716" dirty="0">
+                <a:latin typeface="Times New Roman"/>
+                <a:cs typeface="Times New Roman"/>
+              </a:rPr>
+              <a:t>1</a:t>
+            </a:r>
+            <a:r>
+              <a:rPr lang="en-GB" sz="2400" b="0" spc="-40" baseline="-7716" dirty="0">
+                <a:latin typeface="Times New Roman"/>
+                <a:cs typeface="Times New Roman"/>
+              </a:rPr>
+              <a:t> </a:t>
+            </a:r>
+            <a:r>
+              <a:rPr lang="en-GB" sz="2400" b="0" dirty="0">
+                <a:latin typeface="Times New Roman"/>
+                <a:cs typeface="Times New Roman"/>
+              </a:rPr>
+              <a:t>(3,</a:t>
+            </a:r>
+            <a:r>
+              <a:rPr lang="en-GB" sz="2400" b="0" spc="-64" dirty="0">
+                <a:latin typeface="Times New Roman"/>
+                <a:cs typeface="Times New Roman"/>
+              </a:rPr>
+              <a:t> </a:t>
+            </a:r>
+            <a:r>
+              <a:rPr lang="en-GB" sz="2400" b="0" dirty="0">
+                <a:latin typeface="Times New Roman"/>
+                <a:cs typeface="Times New Roman"/>
+              </a:rPr>
+              <a:t>6,</a:t>
+            </a:r>
+            <a:r>
+              <a:rPr lang="en-GB" sz="2400" b="0" spc="-23" dirty="0">
+                <a:latin typeface="Times New Roman"/>
+                <a:cs typeface="Times New Roman"/>
+              </a:rPr>
+              <a:t> </a:t>
+            </a:r>
+            <a:r>
+              <a:rPr lang="en-GB" sz="2400" b="0" dirty="0">
+                <a:latin typeface="Times New Roman"/>
+                <a:cs typeface="Times New Roman"/>
+              </a:rPr>
+              <a:t>6</a:t>
+            </a:r>
+            <a:r>
+              <a:rPr lang="en-GB" sz="2400" b="0" spc="-45" dirty="0">
+                <a:latin typeface="Times New Roman"/>
+                <a:cs typeface="Times New Roman"/>
+              </a:rPr>
+              <a:t>), </a:t>
+            </a:r>
+            <a:r>
+              <a:rPr lang="en-GB" sz="2400" b="0" dirty="0">
+                <a:latin typeface="Symbol"/>
+                <a:cs typeface="Times New Roman" panose="02020603050405020304" pitchFamily="18" charset="0"/>
+              </a:rPr>
+              <a:t></a:t>
+            </a:r>
+            <a:r>
+              <a:rPr lang="en-GB" sz="2400" b="0" baseline="-7716" dirty="0">
+                <a:latin typeface="Times New Roman"/>
+                <a:cs typeface="Times New Roman"/>
+              </a:rPr>
+              <a:t>2</a:t>
+            </a:r>
+            <a:r>
+              <a:rPr lang="en-GB" sz="2400" b="0" spc="-40" baseline="-7716" dirty="0">
+                <a:latin typeface="Times New Roman"/>
+                <a:cs typeface="Times New Roman"/>
+              </a:rPr>
+              <a:t> </a:t>
+            </a:r>
+            <a:r>
+              <a:rPr lang="en-GB" sz="2400" b="0" dirty="0">
+                <a:latin typeface="Times New Roman"/>
+                <a:cs typeface="Times New Roman"/>
+              </a:rPr>
+              <a:t>(2,</a:t>
+            </a:r>
+            <a:r>
+              <a:rPr lang="en-GB" sz="2400" b="0" spc="-64" dirty="0">
+                <a:latin typeface="Times New Roman"/>
+                <a:cs typeface="Times New Roman"/>
+              </a:rPr>
+              <a:t> </a:t>
+            </a:r>
+            <a:r>
+              <a:rPr lang="en-GB" sz="2400" b="0" dirty="0">
+                <a:latin typeface="Times New Roman"/>
+                <a:cs typeface="Times New Roman"/>
+              </a:rPr>
+              <a:t>9,</a:t>
+            </a:r>
+            <a:r>
+              <a:rPr lang="en-GB" sz="2400" b="0" spc="-23" dirty="0">
+                <a:latin typeface="Times New Roman"/>
+                <a:cs typeface="Times New Roman"/>
+              </a:rPr>
+              <a:t> </a:t>
+            </a:r>
+            <a:r>
+              <a:rPr lang="en-GB" sz="2400" b="0" dirty="0">
+                <a:latin typeface="Times New Roman"/>
+                <a:cs typeface="Times New Roman"/>
+              </a:rPr>
+              <a:t>9</a:t>
+            </a:r>
+            <a:r>
+              <a:rPr lang="en-GB" sz="2400" b="0" spc="-45" dirty="0">
+                <a:latin typeface="Times New Roman"/>
+                <a:cs typeface="Times New Roman"/>
+              </a:rPr>
+              <a:t>)</a:t>
+            </a:r>
+            <a:endParaRPr lang="en-GB" sz="2400" b="0" dirty="0">
+              <a:latin typeface="Gill Sans Light"/>
+            </a:endParaRPr>
+          </a:p>
+          <a:p>
+            <a:r>
+              <a:rPr lang="en-GB" b="0" dirty="0">
+                <a:latin typeface="Gill Sans Light"/>
+              </a:rPr>
+              <a:t>4) </a:t>
+            </a:r>
+            <a:r>
+              <a:rPr lang="en-GB" sz="2400" b="0" dirty="0">
+                <a:latin typeface="Gill Sans Light"/>
+              </a:rPr>
+              <a:t>Taskset </a:t>
+            </a:r>
+            <a:r>
+              <a:rPr lang="en-GB" sz="2400" dirty="0">
+                <a:latin typeface="Symbol"/>
+                <a:cs typeface="Times New Roman" panose="02020603050405020304" pitchFamily="18" charset="0"/>
+              </a:rPr>
+              <a:t></a:t>
+            </a:r>
+            <a:r>
+              <a:rPr lang="en-GB" sz="2400" b="0" baseline="-7716" dirty="0">
+                <a:latin typeface="Times New Roman"/>
+                <a:cs typeface="Times New Roman"/>
+              </a:rPr>
+              <a:t>1</a:t>
+            </a:r>
+            <a:r>
+              <a:rPr lang="en-GB" sz="2400" b="0" spc="-40" baseline="-7716" dirty="0">
+                <a:latin typeface="Times New Roman"/>
+                <a:cs typeface="Times New Roman"/>
+              </a:rPr>
+              <a:t> </a:t>
+            </a:r>
+            <a:r>
+              <a:rPr lang="en-GB" sz="2400" b="0" dirty="0">
+                <a:latin typeface="Times New Roman"/>
+                <a:cs typeface="Times New Roman"/>
+              </a:rPr>
+              <a:t>(2,</a:t>
+            </a:r>
+            <a:r>
+              <a:rPr lang="en-GB" sz="2400" b="0" spc="-64" dirty="0">
+                <a:latin typeface="Times New Roman"/>
+                <a:cs typeface="Times New Roman"/>
+              </a:rPr>
+              <a:t> </a:t>
+            </a:r>
+            <a:r>
+              <a:rPr lang="en-GB" sz="2400" b="0" dirty="0">
+                <a:latin typeface="Times New Roman"/>
+                <a:cs typeface="Times New Roman"/>
+              </a:rPr>
+              <a:t>4,</a:t>
+            </a:r>
+            <a:r>
+              <a:rPr lang="en-GB" sz="2400" b="0" spc="-23" dirty="0">
+                <a:latin typeface="Times New Roman"/>
+                <a:cs typeface="Times New Roman"/>
+              </a:rPr>
+              <a:t> </a:t>
+            </a:r>
+            <a:r>
+              <a:rPr lang="en-GB" sz="2400" b="0" dirty="0">
+                <a:latin typeface="Times New Roman"/>
+                <a:cs typeface="Times New Roman"/>
+              </a:rPr>
+              <a:t>4</a:t>
+            </a:r>
+            <a:r>
+              <a:rPr lang="en-GB" sz="2400" b="0" spc="-45" dirty="0">
+                <a:latin typeface="Times New Roman"/>
+                <a:cs typeface="Times New Roman"/>
+              </a:rPr>
+              <a:t>), </a:t>
+            </a:r>
+            <a:r>
+              <a:rPr lang="en-GB" sz="2400" b="0" dirty="0">
+                <a:latin typeface="Symbol"/>
+                <a:cs typeface="Times New Roman" panose="02020603050405020304" pitchFamily="18" charset="0"/>
+              </a:rPr>
+              <a:t></a:t>
+            </a:r>
+            <a:r>
+              <a:rPr lang="en-GB" sz="2400" b="0" baseline="-7716" dirty="0">
+                <a:latin typeface="Times New Roman"/>
+                <a:cs typeface="Times New Roman"/>
+              </a:rPr>
+              <a:t>2</a:t>
+            </a:r>
+            <a:r>
+              <a:rPr lang="en-GB" sz="2400" b="0" spc="-40" baseline="-7716" dirty="0">
+                <a:latin typeface="Times New Roman"/>
+                <a:cs typeface="Times New Roman"/>
+              </a:rPr>
+              <a:t> </a:t>
+            </a:r>
+            <a:r>
+              <a:rPr lang="en-GB" sz="2400" b="0" dirty="0">
+                <a:latin typeface="Times New Roman"/>
+                <a:cs typeface="Times New Roman"/>
+              </a:rPr>
+              <a:t>(4,</a:t>
+            </a:r>
+            <a:r>
+              <a:rPr lang="en-GB" sz="2400" b="0" spc="-64" dirty="0">
+                <a:latin typeface="Times New Roman"/>
+                <a:cs typeface="Times New Roman"/>
+              </a:rPr>
+              <a:t> </a:t>
+            </a:r>
+            <a:r>
+              <a:rPr lang="en-GB" sz="2400" b="0" dirty="0">
+                <a:latin typeface="Times New Roman"/>
+                <a:cs typeface="Times New Roman"/>
+              </a:rPr>
+              <a:t>8,</a:t>
+            </a:r>
+            <a:r>
+              <a:rPr lang="en-GB" sz="2400" b="0" spc="-23" dirty="0">
+                <a:latin typeface="Times New Roman"/>
+                <a:cs typeface="Times New Roman"/>
+              </a:rPr>
+              <a:t> </a:t>
+            </a:r>
+            <a:r>
+              <a:rPr lang="en-GB" sz="2400" b="0" dirty="0">
+                <a:latin typeface="Times New Roman"/>
+                <a:cs typeface="Times New Roman"/>
+              </a:rPr>
+              <a:t>8</a:t>
+            </a:r>
+            <a:r>
+              <a:rPr lang="en-GB" sz="2400" b="0" spc="-45" dirty="0">
+                <a:latin typeface="Times New Roman"/>
+                <a:cs typeface="Times New Roman"/>
+              </a:rPr>
+              <a:t>)</a:t>
+            </a:r>
+            <a:r>
+              <a:rPr lang="en-GB" sz="2400" b="0" dirty="0">
+                <a:latin typeface="Gill Sans Light"/>
+              </a:rPr>
+              <a:t> </a:t>
+            </a:r>
+          </a:p>
+          <a:p>
+            <a:r>
+              <a:rPr lang="en-GB" b="0" dirty="0">
+                <a:latin typeface="Gill Sans Light"/>
+              </a:rPr>
+              <a:t>5) </a:t>
+            </a:r>
+            <a:r>
+              <a:rPr lang="en-GB" sz="2400" b="0" dirty="0">
+                <a:latin typeface="Gill Sans Light"/>
+              </a:rPr>
+              <a:t>Taskset </a:t>
+            </a:r>
+            <a:r>
+              <a:rPr lang="en-GB" sz="2400" dirty="0">
+                <a:latin typeface="Symbol"/>
+                <a:cs typeface="Times New Roman" panose="02020603050405020304" pitchFamily="18" charset="0"/>
+              </a:rPr>
+              <a:t></a:t>
+            </a:r>
+            <a:r>
+              <a:rPr lang="en-GB" sz="2400" b="0" baseline="-7716" dirty="0">
+                <a:latin typeface="Times New Roman"/>
+                <a:cs typeface="Times New Roman"/>
+              </a:rPr>
+              <a:t>1</a:t>
+            </a:r>
+            <a:r>
+              <a:rPr lang="en-GB" sz="2400" b="0" spc="-40" baseline="-7716" dirty="0">
+                <a:latin typeface="Times New Roman"/>
+                <a:cs typeface="Times New Roman"/>
+              </a:rPr>
+              <a:t> </a:t>
+            </a:r>
+            <a:r>
+              <a:rPr lang="en-GB" sz="2400" b="0" dirty="0">
+                <a:latin typeface="Times New Roman"/>
+                <a:cs typeface="Times New Roman"/>
+              </a:rPr>
+              <a:t>(2,</a:t>
+            </a:r>
+            <a:r>
+              <a:rPr lang="en-GB" sz="2400" b="0" spc="-64" dirty="0">
+                <a:latin typeface="Times New Roman"/>
+                <a:cs typeface="Times New Roman"/>
+              </a:rPr>
+              <a:t> </a:t>
+            </a:r>
+            <a:r>
+              <a:rPr lang="en-GB" sz="2400" b="0" dirty="0">
+                <a:latin typeface="Times New Roman"/>
+                <a:cs typeface="Times New Roman"/>
+              </a:rPr>
+              <a:t>5,</a:t>
+            </a:r>
+            <a:r>
+              <a:rPr lang="en-GB" sz="2400" b="0" spc="-23" dirty="0">
+                <a:latin typeface="Times New Roman"/>
+                <a:cs typeface="Times New Roman"/>
+              </a:rPr>
+              <a:t> </a:t>
+            </a:r>
+            <a:r>
+              <a:rPr lang="en-GB" sz="2400" b="0" dirty="0">
+                <a:latin typeface="Times New Roman"/>
+                <a:cs typeface="Times New Roman"/>
+              </a:rPr>
+              <a:t>5</a:t>
+            </a:r>
+            <a:r>
+              <a:rPr lang="en-GB" sz="2400" b="0" spc="-45" dirty="0">
+                <a:latin typeface="Times New Roman"/>
+                <a:cs typeface="Times New Roman"/>
+              </a:rPr>
+              <a:t>), </a:t>
+            </a:r>
+            <a:r>
+              <a:rPr lang="en-GB" sz="2400" b="0" dirty="0">
+                <a:latin typeface="Symbol"/>
+                <a:cs typeface="Times New Roman" panose="02020603050405020304" pitchFamily="18" charset="0"/>
+              </a:rPr>
+              <a:t></a:t>
+            </a:r>
+            <a:r>
+              <a:rPr lang="en-GB" sz="2400" b="0" baseline="-7716" dirty="0">
+                <a:latin typeface="Times New Roman"/>
+                <a:cs typeface="Times New Roman"/>
+              </a:rPr>
+              <a:t>2</a:t>
+            </a:r>
+            <a:r>
+              <a:rPr lang="en-GB" sz="2400" b="0" spc="-40" baseline="-7716" dirty="0">
+                <a:latin typeface="Times New Roman"/>
+                <a:cs typeface="Times New Roman"/>
+              </a:rPr>
+              <a:t> </a:t>
+            </a:r>
+            <a:r>
+              <a:rPr lang="en-GB" sz="2400" b="0" dirty="0">
+                <a:latin typeface="Times New Roman"/>
+                <a:cs typeface="Times New Roman"/>
+              </a:rPr>
+              <a:t>(4,</a:t>
+            </a:r>
+            <a:r>
+              <a:rPr lang="en-GB" sz="2400" b="0" spc="-64" dirty="0">
+                <a:latin typeface="Times New Roman"/>
+                <a:cs typeface="Times New Roman"/>
+              </a:rPr>
+              <a:t> </a:t>
+            </a:r>
+            <a:r>
+              <a:rPr lang="en-GB" sz="2400" b="0" dirty="0">
+                <a:latin typeface="Times New Roman"/>
+                <a:cs typeface="Times New Roman"/>
+              </a:rPr>
+              <a:t>7,</a:t>
+            </a:r>
+            <a:r>
+              <a:rPr lang="en-GB" sz="2400" b="0" spc="-23" dirty="0">
+                <a:latin typeface="Times New Roman"/>
+                <a:cs typeface="Times New Roman"/>
+              </a:rPr>
+              <a:t> </a:t>
+            </a:r>
+            <a:r>
+              <a:rPr lang="en-GB" sz="2400" b="0" dirty="0">
+                <a:latin typeface="Times New Roman"/>
+                <a:cs typeface="Times New Roman"/>
+              </a:rPr>
+              <a:t>7</a:t>
+            </a:r>
+            <a:r>
+              <a:rPr lang="en-GB" sz="2400" b="0" spc="-45" dirty="0">
+                <a:latin typeface="Times New Roman"/>
+                <a:cs typeface="Times New Roman"/>
+              </a:rPr>
+              <a:t>)</a:t>
+            </a:r>
+          </a:p>
+          <a:p>
+            <a:r>
+              <a:rPr lang="en-GB" dirty="0">
+                <a:latin typeface="Gill Sans Light"/>
+              </a:rPr>
+              <a:t>6) Taskset </a:t>
+            </a:r>
+            <a:r>
+              <a:rPr lang="en-GB" sz="2400" dirty="0">
+                <a:latin typeface="Symbol"/>
+                <a:cs typeface="Times New Roman" panose="02020603050405020304" pitchFamily="18" charset="0"/>
+              </a:rPr>
+              <a:t></a:t>
+            </a:r>
+            <a:r>
+              <a:rPr lang="en-GB" sz="2400" b="0" baseline="-7716" dirty="0">
+                <a:latin typeface="Times New Roman"/>
+                <a:cs typeface="Times New Roman"/>
+              </a:rPr>
+              <a:t>1</a:t>
+            </a:r>
+            <a:r>
+              <a:rPr lang="en-GB" sz="2400" b="0" spc="-40" baseline="-7716" dirty="0">
+                <a:latin typeface="Times New Roman"/>
+                <a:cs typeface="Times New Roman"/>
+              </a:rPr>
+              <a:t> </a:t>
+            </a:r>
+            <a:r>
+              <a:rPr lang="en-GB" sz="2400" b="0" dirty="0">
+                <a:latin typeface="Times New Roman"/>
+                <a:cs typeface="Times New Roman"/>
+              </a:rPr>
+              <a:t>(1,</a:t>
+            </a:r>
+            <a:r>
+              <a:rPr lang="en-GB" sz="2400" b="0" spc="-64" dirty="0">
+                <a:latin typeface="Times New Roman"/>
+                <a:cs typeface="Times New Roman"/>
+              </a:rPr>
+              <a:t> </a:t>
+            </a:r>
+            <a:r>
+              <a:rPr lang="en-GB" sz="2400" b="0" dirty="0">
+                <a:latin typeface="Times New Roman"/>
+                <a:cs typeface="Times New Roman"/>
+              </a:rPr>
+              <a:t>2,</a:t>
+            </a:r>
+            <a:r>
+              <a:rPr lang="en-GB" sz="2400" b="0" spc="-23" dirty="0">
+                <a:latin typeface="Times New Roman"/>
+                <a:cs typeface="Times New Roman"/>
+              </a:rPr>
+              <a:t> </a:t>
+            </a:r>
+            <a:r>
+              <a:rPr lang="en-GB" sz="2400" b="0" dirty="0">
+                <a:latin typeface="Times New Roman"/>
+                <a:cs typeface="Times New Roman"/>
+              </a:rPr>
+              <a:t>2</a:t>
+            </a:r>
+            <a:r>
+              <a:rPr lang="en-GB" sz="2400" b="0" spc="-45" dirty="0">
+                <a:latin typeface="Times New Roman"/>
+                <a:cs typeface="Times New Roman"/>
+              </a:rPr>
+              <a:t>), </a:t>
+            </a:r>
+            <a:r>
+              <a:rPr lang="en-GB" sz="2400" b="0" dirty="0">
+                <a:latin typeface="Symbol"/>
+                <a:cs typeface="Times New Roman" panose="02020603050405020304" pitchFamily="18" charset="0"/>
+              </a:rPr>
+              <a:t></a:t>
+            </a:r>
+            <a:r>
+              <a:rPr lang="en-GB" sz="2400" b="0" baseline="-7716" dirty="0">
+                <a:latin typeface="Times New Roman"/>
+                <a:cs typeface="Times New Roman"/>
+              </a:rPr>
+              <a:t>2</a:t>
+            </a:r>
+            <a:r>
+              <a:rPr lang="en-GB" sz="2400" b="0" spc="-40" baseline="-7716" dirty="0">
+                <a:latin typeface="Times New Roman"/>
+                <a:cs typeface="Times New Roman"/>
+              </a:rPr>
+              <a:t> </a:t>
+            </a:r>
+            <a:r>
+              <a:rPr lang="en-GB" sz="2400" b="0" dirty="0">
+                <a:latin typeface="Times New Roman"/>
+                <a:cs typeface="Times New Roman"/>
+              </a:rPr>
+              <a:t>(2.5,</a:t>
+            </a:r>
+            <a:r>
+              <a:rPr lang="en-GB" sz="2400" b="0" spc="-64" dirty="0">
+                <a:latin typeface="Times New Roman"/>
+                <a:cs typeface="Times New Roman"/>
+              </a:rPr>
+              <a:t> </a:t>
+            </a:r>
+            <a:r>
+              <a:rPr lang="en-GB" sz="2400" b="0" dirty="0">
+                <a:latin typeface="Times New Roman"/>
+                <a:cs typeface="Times New Roman"/>
+              </a:rPr>
+              <a:t>5,</a:t>
+            </a:r>
+            <a:r>
+              <a:rPr lang="en-GB" sz="2400" b="0" spc="-23" dirty="0">
+                <a:latin typeface="Times New Roman"/>
+                <a:cs typeface="Times New Roman"/>
+              </a:rPr>
+              <a:t> </a:t>
+            </a:r>
+            <a:r>
+              <a:rPr lang="en-GB" sz="2400" b="0" dirty="0">
+                <a:latin typeface="Times New Roman"/>
+                <a:cs typeface="Times New Roman"/>
+              </a:rPr>
+              <a:t>5</a:t>
+            </a:r>
+            <a:r>
+              <a:rPr lang="en-GB" sz="2400" b="0" spc="-45" dirty="0">
+                <a:latin typeface="Times New Roman"/>
+                <a:cs typeface="Times New Roman"/>
+              </a:rPr>
+              <a:t>)</a:t>
+            </a:r>
+          </a:p>
+          <a:p>
+            <a:endParaRPr lang="en-SE" dirty="0"/>
+          </a:p>
+        </p:txBody>
+      </p:sp>
+      <p:graphicFrame>
+        <p:nvGraphicFramePr>
+          <p:cNvPr id="4" name="Table 3">
+            <a:extLst>
+              <a:ext uri="{FF2B5EF4-FFF2-40B4-BE49-F238E27FC236}">
+                <a16:creationId xmlns:a16="http://schemas.microsoft.com/office/drawing/2014/main" id="{954EED49-4273-D1DC-7046-45E3831A4A6C}"/>
+              </a:ext>
+            </a:extLst>
+          </p:cNvPr>
+          <p:cNvGraphicFramePr>
+            <a:graphicFrameLocks noGrp="1"/>
+          </p:cNvGraphicFramePr>
+          <p:nvPr>
+            <p:extLst>
+              <p:ext uri="{D42A27DB-BD31-4B8C-83A1-F6EECF244321}">
+                <p14:modId xmlns:p14="http://schemas.microsoft.com/office/powerpoint/2010/main" val="837935390"/>
+              </p:ext>
+            </p:extLst>
+          </p:nvPr>
+        </p:nvGraphicFramePr>
+        <p:xfrm>
+          <a:off x="7391400" y="3200400"/>
+          <a:ext cx="2656891" cy="1483360"/>
+        </p:xfrm>
+        <a:graphic>
+          <a:graphicData uri="http://schemas.openxmlformats.org/drawingml/2006/table">
+            <a:tbl>
+              <a:tblPr firstRow="1" bandRow="1">
+                <a:tableStyleId>{5C22544A-7EE6-4342-B048-85BDC9FD1C3A}</a:tableStyleId>
+              </a:tblPr>
+              <a:tblGrid>
+                <a:gridCol w="990600">
+                  <a:extLst>
+                    <a:ext uri="{9D8B030D-6E8A-4147-A177-3AD203B41FA5}">
+                      <a16:colId xmlns:a16="http://schemas.microsoft.com/office/drawing/2014/main" val="352138746"/>
+                    </a:ext>
+                  </a:extLst>
+                </a:gridCol>
+                <a:gridCol w="1666291">
+                  <a:extLst>
+                    <a:ext uri="{9D8B030D-6E8A-4147-A177-3AD203B41FA5}">
+                      <a16:colId xmlns:a16="http://schemas.microsoft.com/office/drawing/2014/main" val="2317929343"/>
+                    </a:ext>
+                  </a:extLst>
+                </a:gridCol>
+              </a:tblGrid>
+              <a:tr h="370840">
+                <a:tc>
+                  <a:txBody>
+                    <a:bodyPr/>
+                    <a:lstStyle/>
+                    <a:p>
+                      <a:pPr marL="0" marR="0" lvl="0" indent="0" algn="ctr" defTabSz="914400" rtl="0" eaLnBrk="1" fontAlgn="auto" latinLnBrk="0" hangingPunct="1">
+                        <a:lnSpc>
+                          <a:spcPct val="100000"/>
+                        </a:lnSpc>
+                        <a:spcBef>
+                          <a:spcPts val="0"/>
+                        </a:spcBef>
+                        <a:spcAft>
+                          <a:spcPts val="0"/>
+                        </a:spcAft>
+                        <a:buClrTx/>
+                        <a:buSzTx/>
+                        <a:buFontTx/>
+                        <a:buNone/>
+                        <a:tabLst/>
+                        <a:defRPr/>
+                      </a:pPr>
+                      <a:r>
+                        <a:rPr kumimoji="0" lang="en-US" altLang="zh-CN" sz="1800" b="0" i="0" u="none" strike="noStrike" kern="1200" cap="none" normalizeH="0" baseline="0" dirty="0">
+                          <a:ln>
+                            <a:noFill/>
+                          </a:ln>
+                          <a:solidFill>
+                            <a:srgbClr val="000000"/>
+                          </a:solidFill>
+                          <a:effectLst/>
+                          <a:latin typeface="Tahoma" pitchFamily="34" charset="0"/>
+                          <a:ea typeface="宋体" charset="-122"/>
+                          <a:cs typeface="+mn-cs"/>
+                        </a:rPr>
+                        <a:t># Tasks</a:t>
+                      </a:r>
+                      <a:endParaRPr kumimoji="0" lang="en-SE" sz="1800" b="0" i="0" u="none" strike="noStrike" kern="1200" cap="none" normalizeH="0" baseline="0" dirty="0">
+                        <a:ln>
+                          <a:noFill/>
+                        </a:ln>
+                        <a:solidFill>
+                          <a:srgbClr val="000000"/>
+                        </a:solidFill>
+                        <a:effectLst/>
+                        <a:latin typeface="Tahoma" pitchFamily="34" charset="0"/>
+                        <a:ea typeface="宋体" charset="-122"/>
+                        <a:cs typeface="+mn-cs"/>
+                      </a:endParaRPr>
+                    </a:p>
+                  </a:txBody>
+                  <a:tcPr/>
+                </a:tc>
+                <a:tc>
+                  <a:txBody>
+                    <a:bodyPr/>
+                    <a:lstStyle/>
+                    <a:p>
+                      <a:pPr algn="ctr"/>
+                      <a:r>
+                        <a:rPr kumimoji="0" lang="en-GB" sz="1800" b="0" i="0" u="none" strike="noStrike" kern="1200" cap="none" normalizeH="0" baseline="0" dirty="0">
+                          <a:ln>
+                            <a:noFill/>
+                          </a:ln>
+                          <a:solidFill>
+                            <a:srgbClr val="000000"/>
+                          </a:solidFill>
+                          <a:effectLst/>
+                          <a:latin typeface="Tahoma" pitchFamily="34" charset="0"/>
+                          <a:ea typeface="宋体" charset="-122"/>
+                          <a:cs typeface="+mn-cs"/>
+                        </a:rPr>
+                        <a:t>RM Util Bound</a:t>
+                      </a:r>
+                    </a:p>
+                  </a:txBody>
+                  <a:tcPr/>
+                </a:tc>
+                <a:extLst>
+                  <a:ext uri="{0D108BD9-81ED-4DB2-BD59-A6C34878D82A}">
+                    <a16:rowId xmlns:a16="http://schemas.microsoft.com/office/drawing/2014/main" val="1530893829"/>
+                  </a:ext>
+                </a:extLst>
+              </a:tr>
+              <a:tr h="370840">
+                <a:tc>
+                  <a:txBody>
+                    <a:bodyPr/>
+                    <a:lstStyle/>
+                    <a:p>
+                      <a:pPr marL="0" marR="0" lvl="0" indent="0" algn="l" defTabSz="914400" rtl="0" eaLnBrk="1" fontAlgn="base" latinLnBrk="0" hangingPunct="1">
+                        <a:lnSpc>
+                          <a:spcPct val="100000"/>
+                        </a:lnSpc>
+                        <a:spcBef>
+                          <a:spcPct val="20000"/>
+                        </a:spcBef>
+                        <a:spcAft>
+                          <a:spcPct val="0"/>
+                        </a:spcAft>
+                        <a:buClr>
+                          <a:schemeClr val="hlink"/>
+                        </a:buClr>
+                        <a:buSzPct val="110000"/>
+                        <a:buFont typeface="Wingdings" pitchFamily="2" charset="2"/>
+                        <a:buNone/>
+                        <a:tabLst/>
+                      </a:pPr>
+                      <a:r>
+                        <a:rPr kumimoji="0" lang="en-US" altLang="zh-CN" sz="1800" b="0" i="0" u="none" strike="noStrike" cap="none" normalizeH="0" baseline="0" dirty="0">
+                          <a:ln>
+                            <a:noFill/>
+                          </a:ln>
+                          <a:solidFill>
+                            <a:srgbClr val="000000"/>
+                          </a:solidFill>
+                          <a:effectLst/>
+                          <a:latin typeface="Tahoma" pitchFamily="34" charset="0"/>
+                          <a:ea typeface="宋体" charset="-122"/>
+                        </a:rPr>
+                        <a:t>1</a:t>
+                      </a:r>
+                    </a:p>
+                  </a:txBody>
+                  <a:tcPr marL="416337" marR="416337" horzOverflow="overflow"/>
+                </a:tc>
+                <a:tc>
+                  <a:txBody>
+                    <a:bodyPr/>
+                    <a:lstStyle/>
+                    <a:p>
+                      <a:pPr marL="0" marR="0" lvl="0" indent="0" algn="l" defTabSz="914400" rtl="0" eaLnBrk="1" fontAlgn="base" latinLnBrk="0" hangingPunct="1">
+                        <a:lnSpc>
+                          <a:spcPct val="100000"/>
+                        </a:lnSpc>
+                        <a:spcBef>
+                          <a:spcPct val="20000"/>
+                        </a:spcBef>
+                        <a:spcAft>
+                          <a:spcPct val="0"/>
+                        </a:spcAft>
+                        <a:buClr>
+                          <a:schemeClr val="hlink"/>
+                        </a:buClr>
+                        <a:buSzPct val="110000"/>
+                        <a:buFont typeface="Wingdings" pitchFamily="2" charset="2"/>
+                        <a:buNone/>
+                        <a:tabLst/>
+                      </a:pPr>
+                      <a:r>
+                        <a:rPr kumimoji="0" lang="en-US" altLang="zh-CN" sz="1800" b="0" i="0" u="none" strike="noStrike" cap="none" normalizeH="0" baseline="0" dirty="0">
+                          <a:ln>
+                            <a:noFill/>
+                          </a:ln>
+                          <a:solidFill>
+                            <a:srgbClr val="000000"/>
+                          </a:solidFill>
+                          <a:effectLst/>
+                          <a:latin typeface="Tahoma" pitchFamily="34" charset="0"/>
+                          <a:ea typeface="宋体" charset="-122"/>
+                        </a:rPr>
+                        <a:t>1.00</a:t>
+                      </a:r>
+                    </a:p>
+                  </a:txBody>
+                  <a:tcPr marL="416337" marR="416337" horzOverflow="overflow"/>
+                </a:tc>
+                <a:extLst>
+                  <a:ext uri="{0D108BD9-81ED-4DB2-BD59-A6C34878D82A}">
+                    <a16:rowId xmlns:a16="http://schemas.microsoft.com/office/drawing/2014/main" val="783375454"/>
+                  </a:ext>
+                </a:extLst>
+              </a:tr>
+              <a:tr h="370840">
+                <a:tc>
+                  <a:txBody>
+                    <a:bodyPr/>
+                    <a:lstStyle/>
+                    <a:p>
+                      <a:pPr marL="0" marR="0" lvl="0" indent="0" algn="l" defTabSz="914400" rtl="0" eaLnBrk="1" fontAlgn="base" latinLnBrk="0" hangingPunct="1">
+                        <a:lnSpc>
+                          <a:spcPct val="100000"/>
+                        </a:lnSpc>
+                        <a:spcBef>
+                          <a:spcPct val="20000"/>
+                        </a:spcBef>
+                        <a:spcAft>
+                          <a:spcPct val="0"/>
+                        </a:spcAft>
+                        <a:buClr>
+                          <a:schemeClr val="hlink"/>
+                        </a:buClr>
+                        <a:buSzPct val="110000"/>
+                        <a:buFont typeface="Wingdings" pitchFamily="2" charset="2"/>
+                        <a:buNone/>
+                        <a:tabLst/>
+                      </a:pPr>
+                      <a:r>
+                        <a:rPr kumimoji="0" lang="en-US" altLang="zh-CN" sz="1800" b="0" i="0" u="none" strike="noStrike" cap="none" normalizeH="0" baseline="0" dirty="0">
+                          <a:ln>
+                            <a:noFill/>
+                          </a:ln>
+                          <a:solidFill>
+                            <a:srgbClr val="FF0000"/>
+                          </a:solidFill>
+                          <a:effectLst/>
+                          <a:latin typeface="Tahoma" pitchFamily="34" charset="0"/>
+                          <a:ea typeface="宋体" charset="-122"/>
+                        </a:rPr>
+                        <a:t>2</a:t>
+                      </a:r>
+                    </a:p>
+                  </a:txBody>
+                  <a:tcPr marL="416337" marR="416337" horzOverflow="overflow"/>
+                </a:tc>
+                <a:tc>
+                  <a:txBody>
+                    <a:bodyPr/>
+                    <a:lstStyle/>
+                    <a:p>
+                      <a:pPr marL="0" marR="0" lvl="0" indent="0" algn="l" defTabSz="914400" rtl="0" eaLnBrk="1" fontAlgn="base" latinLnBrk="0" hangingPunct="1">
+                        <a:lnSpc>
+                          <a:spcPct val="100000"/>
+                        </a:lnSpc>
+                        <a:spcBef>
+                          <a:spcPct val="20000"/>
+                        </a:spcBef>
+                        <a:spcAft>
+                          <a:spcPct val="0"/>
+                        </a:spcAft>
+                        <a:buClr>
+                          <a:schemeClr val="hlink"/>
+                        </a:buClr>
+                        <a:buSzPct val="110000"/>
+                        <a:buFont typeface="Wingdings" pitchFamily="2" charset="2"/>
+                        <a:buNone/>
+                        <a:tabLst/>
+                      </a:pPr>
+                      <a:r>
+                        <a:rPr kumimoji="0" lang="en-US" altLang="zh-CN" sz="1800" b="0" i="0" u="none" strike="noStrike" cap="none" normalizeH="0" baseline="0" dirty="0">
+                          <a:ln>
+                            <a:noFill/>
+                          </a:ln>
+                          <a:solidFill>
+                            <a:srgbClr val="FF0000"/>
+                          </a:solidFill>
+                          <a:effectLst/>
+                          <a:latin typeface="Tahoma" pitchFamily="34" charset="0"/>
+                          <a:ea typeface="宋体" charset="-122"/>
+                        </a:rPr>
+                        <a:t>0.828</a:t>
+                      </a:r>
+                    </a:p>
+                  </a:txBody>
+                  <a:tcPr marL="416337" marR="416337" horzOverflow="overflow"/>
+                </a:tc>
+                <a:extLst>
+                  <a:ext uri="{0D108BD9-81ED-4DB2-BD59-A6C34878D82A}">
+                    <a16:rowId xmlns:a16="http://schemas.microsoft.com/office/drawing/2014/main" val="3410980618"/>
+                  </a:ext>
+                </a:extLst>
+              </a:tr>
+              <a:tr h="370840">
+                <a:tc>
+                  <a:txBody>
+                    <a:bodyPr/>
+                    <a:lstStyle/>
+                    <a:p>
+                      <a:pPr marL="0" marR="0" lvl="0" indent="0" algn="l" defTabSz="914400" rtl="0" eaLnBrk="1" fontAlgn="base" latinLnBrk="0" hangingPunct="1">
+                        <a:lnSpc>
+                          <a:spcPct val="100000"/>
+                        </a:lnSpc>
+                        <a:spcBef>
+                          <a:spcPct val="20000"/>
+                        </a:spcBef>
+                        <a:spcAft>
+                          <a:spcPct val="0"/>
+                        </a:spcAft>
+                        <a:buClr>
+                          <a:schemeClr val="hlink"/>
+                        </a:buClr>
+                        <a:buSzPct val="110000"/>
+                        <a:buFont typeface="Wingdings" pitchFamily="2" charset="2"/>
+                        <a:buNone/>
+                        <a:tabLst/>
+                      </a:pPr>
+                      <a:r>
+                        <a:rPr kumimoji="0" lang="en-US" altLang="zh-CN" sz="1800" b="0" i="0" u="none" strike="noStrike" cap="none" normalizeH="0" baseline="0" dirty="0">
+                          <a:ln>
+                            <a:noFill/>
+                          </a:ln>
+                          <a:solidFill>
+                            <a:srgbClr val="000000"/>
+                          </a:solidFill>
+                          <a:effectLst/>
+                          <a:latin typeface="Tahoma" pitchFamily="34" charset="0"/>
+                          <a:ea typeface="宋体" charset="-122"/>
+                        </a:rPr>
+                        <a:t>3</a:t>
+                      </a:r>
+                    </a:p>
+                  </a:txBody>
+                  <a:tcPr marL="416337" marR="416337" horzOverflow="overflow"/>
+                </a:tc>
+                <a:tc>
+                  <a:txBody>
+                    <a:bodyPr/>
+                    <a:lstStyle/>
+                    <a:p>
+                      <a:pPr marL="0" marR="0" lvl="0" indent="0" algn="l" defTabSz="914400" rtl="0" eaLnBrk="1" fontAlgn="base" latinLnBrk="0" hangingPunct="1">
+                        <a:lnSpc>
+                          <a:spcPct val="100000"/>
+                        </a:lnSpc>
+                        <a:spcBef>
+                          <a:spcPct val="20000"/>
+                        </a:spcBef>
+                        <a:spcAft>
+                          <a:spcPct val="0"/>
+                        </a:spcAft>
+                        <a:buClr>
+                          <a:schemeClr val="hlink"/>
+                        </a:buClr>
+                        <a:buSzPct val="110000"/>
+                        <a:buFont typeface="Wingdings" pitchFamily="2" charset="2"/>
+                        <a:buNone/>
+                        <a:tabLst/>
+                      </a:pPr>
+                      <a:r>
+                        <a:rPr kumimoji="0" lang="en-US" altLang="zh-CN" sz="1800" b="0" i="0" u="none" strike="noStrike" cap="none" normalizeH="0" baseline="0" dirty="0">
+                          <a:ln>
+                            <a:noFill/>
+                          </a:ln>
+                          <a:solidFill>
+                            <a:srgbClr val="000000"/>
+                          </a:solidFill>
+                          <a:effectLst/>
+                          <a:latin typeface="Tahoma" pitchFamily="34" charset="0"/>
+                          <a:ea typeface="宋体" charset="-122"/>
+                        </a:rPr>
+                        <a:t>0.780</a:t>
+                      </a:r>
+                    </a:p>
+                  </a:txBody>
+                  <a:tcPr marL="416337" marR="416337" horzOverflow="overflow"/>
+                </a:tc>
+                <a:extLst>
+                  <a:ext uri="{0D108BD9-81ED-4DB2-BD59-A6C34878D82A}">
+                    <a16:rowId xmlns:a16="http://schemas.microsoft.com/office/drawing/2014/main" val="1352033078"/>
+                  </a:ext>
+                </a:extLst>
+              </a:tr>
+            </a:tbl>
+          </a:graphicData>
+        </a:graphic>
+      </p:graphicFrame>
+    </p:spTree>
+    <p:extLst>
+      <p:ext uri="{BB962C8B-B14F-4D97-AF65-F5344CB8AC3E}">
+        <p14:creationId xmlns:p14="http://schemas.microsoft.com/office/powerpoint/2010/main" val="3490553363"/>
+      </p:ext>
+    </p:extLst>
+  </p:cSld>
+  <p:clrMapOvr>
+    <a:masterClrMapping/>
+  </p:clrMapOvr>
+  <p:transition/>
+</p:sld>
+</file>
+
+<file path=ppt/slides/slide3.xml><?xml version="1.0" encoding="utf-8"?>
+<p:sld xmlns:a="http://schemas.openxmlformats.org/drawingml/2006/main" xmlns:r="http://schemas.openxmlformats.org/officeDocument/2006/relationships" xmlns:p="http://schemas.openxmlformats.org/presentationml/2006/main">
+  <p:cSld>
+    <p:spTree>
+      <p:nvGrpSpPr>
         <p:cNvPr id="1" name="">
           <a:extLst>
             <a:ext uri="{FF2B5EF4-FFF2-40B4-BE49-F238E27FC236}">
-              <a16:creationId xmlns:a16="http://schemas.microsoft.com/office/drawing/2014/main" id="{96811F68-6D1E-A4BE-6595-35EFD1DD9B2B}"/>
+              <a16:creationId xmlns:a16="http://schemas.microsoft.com/office/drawing/2014/main" id="{BD3E8F37-5D98-E444-5C38-77D4867848E4}"/>
             </a:ext>
           </a:extLst>
         </p:cNvPr>
@@ -3680,7 +5187,7 @@
           <p:cNvPr id="2" name="Title 1">
             <a:extLst>
               <a:ext uri="{FF2B5EF4-FFF2-40B4-BE49-F238E27FC236}">
-                <a16:creationId xmlns:a16="http://schemas.microsoft.com/office/drawing/2014/main" id="{A5CF3B0B-F9E3-9B38-6B63-7AC439A712A9}"/>
+                <a16:creationId xmlns:a16="http://schemas.microsoft.com/office/drawing/2014/main" id="{AEF89384-4D1D-1C3D-2724-6828EA9BCDAA}"/>
               </a:ext>
             </a:extLst>
           </p:cNvPr>
@@ -3698,7 +5205,749 @@
           <a:p>
             <a:r>
               <a:rPr lang="en-GB" dirty="0"/>
-              <a:t>Q1 RM, EDF, LLF</a:t>
+              <a:t>Q2. </a:t>
+            </a:r>
+            <a:r>
+              <a:rPr lang="en-GB" dirty="0" err="1"/>
+              <a:t>Schedulability</a:t>
+            </a:r>
+            <a:r>
+              <a:rPr lang="en-GB" dirty="0"/>
+              <a:t> under RM, DM, or EDF</a:t>
+            </a:r>
+            <a:endParaRPr lang="en-SE" dirty="0"/>
+          </a:p>
+        </p:txBody>
+      </p:sp>
+      <mc:AlternateContent xmlns:mc="http://schemas.openxmlformats.org/markup-compatibility/2006" xmlns:a14="http://schemas.microsoft.com/office/drawing/2010/main">
+        <mc:Choice Requires="a14">
+          <p:sp>
+            <p:nvSpPr>
+              <p:cNvPr id="3" name="Content Placeholder 2">
+                <a:extLst>
+                  <a:ext uri="{FF2B5EF4-FFF2-40B4-BE49-F238E27FC236}">
+                    <a16:creationId xmlns:a16="http://schemas.microsoft.com/office/drawing/2014/main" id="{3E07DE19-F69C-27CF-675A-7FEAA451EB1B}"/>
+                  </a:ext>
+                </a:extLst>
+              </p:cNvPr>
+              <p:cNvSpPr>
+                <a:spLocks noGrp="1"/>
+              </p:cNvSpPr>
+              <p:nvPr>
+                <p:ph idx="1"/>
+              </p:nvPr>
+            </p:nvSpPr>
+            <p:spPr/>
+            <p:txBody>
+              <a:bodyPr>
+                <a:normAutofit/>
+              </a:bodyPr>
+              <a:lstStyle/>
+              <a:p>
+                <a:r>
+                  <a:rPr lang="en-GB" dirty="0"/>
+                  <a:t>Determine </a:t>
+                </a:r>
+                <a:r>
+                  <a:rPr lang="en-GB" dirty="0" err="1"/>
+                  <a:t>schedulability</a:t>
+                </a:r>
+                <a:r>
+                  <a:rPr lang="en-GB" dirty="0"/>
+                  <a:t> of the following tasksets under (1) Rate Monotonic (RM) scheduling, using Utilization Bound test and/or Response Time Analysis (RTA) to determine taskset </a:t>
+                </a:r>
+                <a:r>
+                  <a:rPr lang="en-GB" dirty="0" err="1"/>
+                  <a:t>schedulability</a:t>
+                </a:r>
+                <a:r>
+                  <a:rPr lang="en-GB" dirty="0"/>
+                  <a:t>. (2) Deadline Monotonic (DM) scheduling (3) Earliest Deadline First (EDF) scheduling, using Utilization Bound test. </a:t>
+                </a:r>
+              </a:p>
+              <a:p>
+                <a:r>
+                  <a:rPr lang="en-GB" spc="-45" dirty="0">
+                    <a:latin typeface="Times New Roman"/>
+                    <a:cs typeface="Times New Roman"/>
+                  </a:rPr>
+                  <a:t>1) </a:t>
+                </a:r>
+                <a:r>
+                  <a:rPr lang="en-GB" sz="2400" b="0" dirty="0">
+                    <a:latin typeface="Gill Sans Light"/>
+                  </a:rPr>
+                  <a:t>Taskset </a:t>
+                </a:r>
+                <a14:m>
+                  <m:oMath xmlns:m="http://schemas.openxmlformats.org/officeDocument/2006/math">
+                    <m:sSub>
+                      <m:sSubPr>
+                        <m:ctrlPr>
+                          <a:rPr lang="en-GB" i="1" kern="0" dirty="0" smtClean="0">
+                            <a:latin typeface="Cambria Math" panose="02040503050406030204" pitchFamily="18" charset="0"/>
+                          </a:rPr>
+                        </m:ctrlPr>
+                      </m:sSubPr>
+                      <m:e>
+                        <m:r>
+                          <a:rPr lang="en-GB" i="1" kern="0" dirty="0" smtClean="0">
+                            <a:latin typeface="Cambria Math" panose="02040503050406030204" pitchFamily="18" charset="0"/>
+                          </a:rPr>
+                          <m:t>𝜏</m:t>
+                        </m:r>
+                      </m:e>
+                      <m:sub>
+                        <m:r>
+                          <a:rPr lang="en-GB" i="1" kern="0" dirty="0" smtClean="0">
+                            <a:latin typeface="Cambria Math" panose="02040503050406030204" pitchFamily="18" charset="0"/>
+                          </a:rPr>
+                          <m:t>1</m:t>
+                        </m:r>
+                      </m:sub>
+                    </m:sSub>
+                    <m:r>
+                      <a:rPr lang="en-GB" i="1" kern="0" dirty="0" smtClean="0">
+                        <a:latin typeface="Cambria Math" panose="02040503050406030204" pitchFamily="18" charset="0"/>
+                      </a:rPr>
+                      <m:t>=</m:t>
+                    </m:r>
+                    <m:d>
+                      <m:dPr>
+                        <m:ctrlPr>
+                          <a:rPr lang="en-GB" i="1" kern="0" dirty="0" smtClean="0">
+                            <a:latin typeface="Cambria Math" panose="02040503050406030204" pitchFamily="18" charset="0"/>
+                          </a:rPr>
+                        </m:ctrlPr>
+                      </m:dPr>
+                      <m:e>
+                        <m:r>
+                          <a:rPr lang="en-GB" b="0" i="1" kern="0" dirty="0" smtClean="0">
+                            <a:latin typeface="Cambria Math" panose="02040503050406030204" pitchFamily="18" charset="0"/>
+                          </a:rPr>
+                          <m:t>0.5</m:t>
+                        </m:r>
+                        <m:r>
+                          <a:rPr lang="en-GB" i="1" kern="0" dirty="0" smtClean="0">
+                            <a:latin typeface="Cambria Math" panose="02040503050406030204" pitchFamily="18" charset="0"/>
+                          </a:rPr>
+                          <m:t>, </m:t>
+                        </m:r>
+                        <m:r>
+                          <a:rPr lang="en-GB" i="1" kern="0" dirty="0">
+                            <a:latin typeface="Cambria Math" panose="02040503050406030204" pitchFamily="18" charset="0"/>
+                          </a:rPr>
+                          <m:t>3,</m:t>
+                        </m:r>
+                        <m:r>
+                          <a:rPr lang="en-GB" i="1" kern="0" dirty="0" smtClean="0">
+                            <a:latin typeface="Cambria Math" panose="02040503050406030204" pitchFamily="18" charset="0"/>
+                          </a:rPr>
+                          <m:t> 3</m:t>
+                        </m:r>
+                      </m:e>
+                    </m:d>
+                    <m:r>
+                      <a:rPr lang="en-GB" i="1" kern="0" dirty="0" smtClean="0">
+                        <a:latin typeface="Cambria Math" panose="02040503050406030204" pitchFamily="18" charset="0"/>
+                      </a:rPr>
+                      <m:t>, </m:t>
+                    </m:r>
+                    <m:sSub>
+                      <m:sSubPr>
+                        <m:ctrlPr>
+                          <a:rPr lang="en-GB" i="1" kern="0" dirty="0" smtClean="0">
+                            <a:latin typeface="Cambria Math" panose="02040503050406030204" pitchFamily="18" charset="0"/>
+                          </a:rPr>
+                        </m:ctrlPr>
+                      </m:sSubPr>
+                      <m:e>
+                        <m:r>
+                          <a:rPr lang="en-GB" i="1" kern="0" dirty="0" smtClean="0">
+                            <a:latin typeface="Cambria Math" panose="02040503050406030204" pitchFamily="18" charset="0"/>
+                          </a:rPr>
+                          <m:t>𝜏</m:t>
+                        </m:r>
+                      </m:e>
+                      <m:sub>
+                        <m:r>
+                          <a:rPr lang="en-GB" i="1" kern="0" dirty="0" smtClean="0">
+                            <a:latin typeface="Cambria Math" panose="02040503050406030204" pitchFamily="18" charset="0"/>
+                          </a:rPr>
+                          <m:t>2</m:t>
+                        </m:r>
+                      </m:sub>
+                    </m:sSub>
+                    <m:r>
+                      <a:rPr lang="en-GB" i="1" kern="0" dirty="0" smtClean="0">
+                        <a:latin typeface="Cambria Math" panose="02040503050406030204" pitchFamily="18" charset="0"/>
+                      </a:rPr>
+                      <m:t>=</m:t>
+                    </m:r>
+                    <m:d>
+                      <m:dPr>
+                        <m:ctrlPr>
+                          <a:rPr lang="en-GB" i="1" kern="0" dirty="0" smtClean="0">
+                            <a:solidFill>
+                              <a:schemeClr val="tx1"/>
+                            </a:solidFill>
+                            <a:latin typeface="Cambria Math" panose="02040503050406030204" pitchFamily="18" charset="0"/>
+                          </a:rPr>
+                        </m:ctrlPr>
+                      </m:dPr>
+                      <m:e>
+                        <m:r>
+                          <a:rPr lang="en-GB" i="1" kern="0" dirty="0" smtClean="0">
+                            <a:solidFill>
+                              <a:schemeClr val="tx1"/>
+                            </a:solidFill>
+                            <a:latin typeface="Cambria Math" panose="02040503050406030204" pitchFamily="18" charset="0"/>
+                          </a:rPr>
+                          <m:t>1, 4, </m:t>
+                        </m:r>
+                        <m:r>
+                          <a:rPr lang="en-GB" b="0" i="1" kern="0" dirty="0" smtClean="0">
+                            <a:solidFill>
+                              <a:schemeClr val="tx1"/>
+                            </a:solidFill>
+                            <a:latin typeface="Cambria Math" panose="02040503050406030204" pitchFamily="18" charset="0"/>
+                          </a:rPr>
+                          <m:t>4</m:t>
+                        </m:r>
+                      </m:e>
+                    </m:d>
+                    <m:r>
+                      <a:rPr lang="en-GB" i="1" kern="0" dirty="0" smtClean="0">
+                        <a:latin typeface="Cambria Math" panose="02040503050406030204" pitchFamily="18" charset="0"/>
+                      </a:rPr>
+                      <m:t>, </m:t>
+                    </m:r>
+                    <m:sSub>
+                      <m:sSubPr>
+                        <m:ctrlPr>
+                          <a:rPr lang="en-GB" i="1" kern="0" dirty="0" smtClean="0">
+                            <a:latin typeface="Cambria Math" panose="02040503050406030204" pitchFamily="18" charset="0"/>
+                          </a:rPr>
+                        </m:ctrlPr>
+                      </m:sSubPr>
+                      <m:e>
+                        <m:r>
+                          <a:rPr lang="en-GB" i="1" kern="0" dirty="0" smtClean="0">
+                            <a:latin typeface="Cambria Math" panose="02040503050406030204" pitchFamily="18" charset="0"/>
+                          </a:rPr>
+                          <m:t>𝜏</m:t>
+                        </m:r>
+                      </m:e>
+                      <m:sub>
+                        <m:r>
+                          <a:rPr lang="en-GB" i="1" kern="0" dirty="0" smtClean="0">
+                            <a:latin typeface="Cambria Math" panose="02040503050406030204" pitchFamily="18" charset="0"/>
+                          </a:rPr>
+                          <m:t>3</m:t>
+                        </m:r>
+                      </m:sub>
+                    </m:sSub>
+                    <m:r>
+                      <a:rPr lang="en-GB" i="1" kern="0" dirty="0" smtClean="0">
+                        <a:latin typeface="Cambria Math" panose="02040503050406030204" pitchFamily="18" charset="0"/>
+                      </a:rPr>
+                      <m:t>=(2, 6, 6)</m:t>
+                    </m:r>
+                  </m:oMath>
+                </a14:m>
+                <a:endParaRPr lang="en-GB" sz="2400" b="0" dirty="0">
+                  <a:latin typeface="Times New Roman"/>
+                  <a:cs typeface="Times New Roman"/>
+                </a:endParaRPr>
+              </a:p>
+              <a:p>
+                <a:r>
+                  <a:rPr lang="en-GB" spc="-45" dirty="0">
+                    <a:latin typeface="Times New Roman"/>
+                    <a:cs typeface="Times New Roman"/>
+                  </a:rPr>
+                  <a:t>2) </a:t>
+                </a:r>
+                <a:r>
+                  <a:rPr lang="en-GB" sz="2400" b="0" dirty="0">
+                    <a:latin typeface="Gill Sans Light"/>
+                  </a:rPr>
+                  <a:t>Taskset </a:t>
+                </a:r>
+                <a14:m>
+                  <m:oMath xmlns:m="http://schemas.openxmlformats.org/officeDocument/2006/math">
+                    <m:sSub>
+                      <m:sSubPr>
+                        <m:ctrlPr>
+                          <a:rPr lang="en-GB" i="1" kern="0" dirty="0" smtClean="0">
+                            <a:latin typeface="Cambria Math" panose="02040503050406030204" pitchFamily="18" charset="0"/>
+                          </a:rPr>
+                        </m:ctrlPr>
+                      </m:sSubPr>
+                      <m:e>
+                        <m:r>
+                          <a:rPr lang="en-GB" i="1" kern="0" dirty="0" smtClean="0">
+                            <a:latin typeface="Cambria Math" panose="02040503050406030204" pitchFamily="18" charset="0"/>
+                          </a:rPr>
+                          <m:t>𝜏</m:t>
+                        </m:r>
+                      </m:e>
+                      <m:sub>
+                        <m:r>
+                          <a:rPr lang="en-GB" i="1" kern="0" dirty="0" smtClean="0">
+                            <a:latin typeface="Cambria Math" panose="02040503050406030204" pitchFamily="18" charset="0"/>
+                          </a:rPr>
+                          <m:t>1</m:t>
+                        </m:r>
+                      </m:sub>
+                    </m:sSub>
+                    <m:r>
+                      <a:rPr lang="en-GB" i="1" kern="0" dirty="0" smtClean="0">
+                        <a:latin typeface="Cambria Math" panose="02040503050406030204" pitchFamily="18" charset="0"/>
+                      </a:rPr>
+                      <m:t>=</m:t>
+                    </m:r>
+                    <m:d>
+                      <m:dPr>
+                        <m:ctrlPr>
+                          <a:rPr lang="en-GB" i="1" kern="0" dirty="0" smtClean="0">
+                            <a:latin typeface="Cambria Math" panose="02040503050406030204" pitchFamily="18" charset="0"/>
+                          </a:rPr>
+                        </m:ctrlPr>
+                      </m:dPr>
+                      <m:e>
+                        <m:r>
+                          <a:rPr lang="en-GB" b="0" i="1" kern="0" dirty="0" smtClean="0">
+                            <a:latin typeface="Cambria Math" panose="02040503050406030204" pitchFamily="18" charset="0"/>
+                          </a:rPr>
+                          <m:t>0.5</m:t>
+                        </m:r>
+                        <m:r>
+                          <a:rPr lang="en-GB" i="1" kern="0" dirty="0" smtClean="0">
+                            <a:latin typeface="Cambria Math" panose="02040503050406030204" pitchFamily="18" charset="0"/>
+                          </a:rPr>
+                          <m:t>, </m:t>
+                        </m:r>
+                        <m:r>
+                          <a:rPr lang="en-GB" i="1" kern="0" dirty="0">
+                            <a:latin typeface="Cambria Math" panose="02040503050406030204" pitchFamily="18" charset="0"/>
+                          </a:rPr>
+                          <m:t>3,</m:t>
+                        </m:r>
+                        <m:r>
+                          <a:rPr lang="en-GB" i="1" kern="0" dirty="0" smtClean="0">
+                            <a:latin typeface="Cambria Math" panose="02040503050406030204" pitchFamily="18" charset="0"/>
+                          </a:rPr>
+                          <m:t> 3</m:t>
+                        </m:r>
+                      </m:e>
+                    </m:d>
+                    <m:r>
+                      <a:rPr lang="en-GB" i="1" kern="0" dirty="0" smtClean="0">
+                        <a:latin typeface="Cambria Math" panose="02040503050406030204" pitchFamily="18" charset="0"/>
+                      </a:rPr>
+                      <m:t>, </m:t>
+                    </m:r>
+                    <m:sSub>
+                      <m:sSubPr>
+                        <m:ctrlPr>
+                          <a:rPr lang="en-GB" i="1" kern="0" dirty="0" smtClean="0">
+                            <a:latin typeface="Cambria Math" panose="02040503050406030204" pitchFamily="18" charset="0"/>
+                          </a:rPr>
+                        </m:ctrlPr>
+                      </m:sSubPr>
+                      <m:e>
+                        <m:r>
+                          <a:rPr lang="en-GB" i="1" kern="0" dirty="0" smtClean="0">
+                            <a:latin typeface="Cambria Math" panose="02040503050406030204" pitchFamily="18" charset="0"/>
+                          </a:rPr>
+                          <m:t>𝜏</m:t>
+                        </m:r>
+                      </m:e>
+                      <m:sub>
+                        <m:r>
+                          <a:rPr lang="en-GB" i="1" kern="0" dirty="0" smtClean="0">
+                            <a:latin typeface="Cambria Math" panose="02040503050406030204" pitchFamily="18" charset="0"/>
+                          </a:rPr>
+                          <m:t>2</m:t>
+                        </m:r>
+                      </m:sub>
+                    </m:sSub>
+                    <m:r>
+                      <a:rPr lang="en-GB" i="1" kern="0" dirty="0" smtClean="0">
+                        <a:latin typeface="Cambria Math" panose="02040503050406030204" pitchFamily="18" charset="0"/>
+                      </a:rPr>
+                      <m:t>=</m:t>
+                    </m:r>
+                    <m:d>
+                      <m:dPr>
+                        <m:ctrlPr>
+                          <a:rPr lang="en-GB" i="1" kern="0" dirty="0" smtClean="0">
+                            <a:solidFill>
+                              <a:schemeClr val="tx1"/>
+                            </a:solidFill>
+                            <a:latin typeface="Cambria Math" panose="02040503050406030204" pitchFamily="18" charset="0"/>
+                          </a:rPr>
+                        </m:ctrlPr>
+                      </m:dPr>
+                      <m:e>
+                        <m:r>
+                          <a:rPr lang="en-GB" i="1" kern="0" dirty="0" smtClean="0">
+                            <a:solidFill>
+                              <a:schemeClr val="tx1"/>
+                            </a:solidFill>
+                            <a:latin typeface="Cambria Math" panose="02040503050406030204" pitchFamily="18" charset="0"/>
+                          </a:rPr>
+                          <m:t>1, 4, </m:t>
+                        </m:r>
+                        <m:r>
+                          <a:rPr lang="en-GB" b="0" i="1" kern="0" dirty="0" smtClean="0">
+                            <a:solidFill>
+                              <a:schemeClr val="tx1"/>
+                            </a:solidFill>
+                            <a:latin typeface="Cambria Math" panose="02040503050406030204" pitchFamily="18" charset="0"/>
+                          </a:rPr>
+                          <m:t>2</m:t>
+                        </m:r>
+                      </m:e>
+                    </m:d>
+                    <m:r>
+                      <a:rPr lang="en-GB" i="1" kern="0" dirty="0" smtClean="0">
+                        <a:latin typeface="Cambria Math" panose="02040503050406030204" pitchFamily="18" charset="0"/>
+                      </a:rPr>
+                      <m:t>, </m:t>
+                    </m:r>
+                    <m:sSub>
+                      <m:sSubPr>
+                        <m:ctrlPr>
+                          <a:rPr lang="en-GB" i="1" kern="0" dirty="0" smtClean="0">
+                            <a:latin typeface="Cambria Math" panose="02040503050406030204" pitchFamily="18" charset="0"/>
+                          </a:rPr>
+                        </m:ctrlPr>
+                      </m:sSubPr>
+                      <m:e>
+                        <m:r>
+                          <a:rPr lang="en-GB" i="1" kern="0" dirty="0" smtClean="0">
+                            <a:latin typeface="Cambria Math" panose="02040503050406030204" pitchFamily="18" charset="0"/>
+                          </a:rPr>
+                          <m:t>𝜏</m:t>
+                        </m:r>
+                      </m:e>
+                      <m:sub>
+                        <m:r>
+                          <a:rPr lang="en-GB" i="1" kern="0" dirty="0" smtClean="0">
+                            <a:latin typeface="Cambria Math" panose="02040503050406030204" pitchFamily="18" charset="0"/>
+                          </a:rPr>
+                          <m:t>3</m:t>
+                        </m:r>
+                      </m:sub>
+                    </m:sSub>
+                    <m:r>
+                      <a:rPr lang="en-GB" i="1" kern="0" dirty="0" smtClean="0">
+                        <a:latin typeface="Cambria Math" panose="02040503050406030204" pitchFamily="18" charset="0"/>
+                      </a:rPr>
+                      <m:t>=(2, 6, 6)</m:t>
+                    </m:r>
+                  </m:oMath>
+                </a14:m>
+                <a:endParaRPr lang="en-GB" sz="2400" b="0" dirty="0">
+                  <a:latin typeface="Times New Roman"/>
+                  <a:cs typeface="Times New Roman"/>
+                </a:endParaRPr>
+              </a:p>
+              <a:p>
+                <a:r>
+                  <a:rPr lang="en-GB" spc="-45" dirty="0">
+                    <a:latin typeface="Times New Roman"/>
+                    <a:cs typeface="Times New Roman"/>
+                  </a:rPr>
+                  <a:t>3) </a:t>
+                </a:r>
+                <a:r>
+                  <a:rPr lang="en-GB" sz="2400" b="0" dirty="0">
+                    <a:latin typeface="Gill Sans Light"/>
+                  </a:rPr>
+                  <a:t>Taskset </a:t>
+                </a:r>
+                <a14:m>
+                  <m:oMath xmlns:m="http://schemas.openxmlformats.org/officeDocument/2006/math">
+                    <m:sSub>
+                      <m:sSubPr>
+                        <m:ctrlPr>
+                          <a:rPr lang="en-GB" i="1" kern="0" dirty="0" smtClean="0">
+                            <a:latin typeface="Cambria Math" panose="02040503050406030204" pitchFamily="18" charset="0"/>
+                          </a:rPr>
+                        </m:ctrlPr>
+                      </m:sSubPr>
+                      <m:e>
+                        <m:r>
+                          <a:rPr lang="en-GB" i="1" kern="0" dirty="0" smtClean="0">
+                            <a:latin typeface="Cambria Math" panose="02040503050406030204" pitchFamily="18" charset="0"/>
+                          </a:rPr>
+                          <m:t>𝜏</m:t>
+                        </m:r>
+                      </m:e>
+                      <m:sub>
+                        <m:r>
+                          <a:rPr lang="en-GB" i="1" kern="0" dirty="0" smtClean="0">
+                            <a:latin typeface="Cambria Math" panose="02040503050406030204" pitchFamily="18" charset="0"/>
+                          </a:rPr>
+                          <m:t>1</m:t>
+                        </m:r>
+                      </m:sub>
+                    </m:sSub>
+                    <m:r>
+                      <a:rPr lang="en-GB" i="1" kern="0" dirty="0" smtClean="0">
+                        <a:latin typeface="Cambria Math" panose="02040503050406030204" pitchFamily="18" charset="0"/>
+                      </a:rPr>
+                      <m:t>=</m:t>
+                    </m:r>
+                    <m:d>
+                      <m:dPr>
+                        <m:ctrlPr>
+                          <a:rPr lang="en-GB" i="1" kern="0" dirty="0" smtClean="0">
+                            <a:latin typeface="Cambria Math" panose="02040503050406030204" pitchFamily="18" charset="0"/>
+                          </a:rPr>
+                        </m:ctrlPr>
+                      </m:dPr>
+                      <m:e>
+                        <m:r>
+                          <a:rPr lang="en-GB" b="0" i="1" kern="0" dirty="0" smtClean="0">
+                            <a:latin typeface="Cambria Math" panose="02040503050406030204" pitchFamily="18" charset="0"/>
+                          </a:rPr>
+                          <m:t>1</m:t>
+                        </m:r>
+                        <m:r>
+                          <a:rPr lang="en-GB" i="1" kern="0" dirty="0" smtClean="0">
+                            <a:latin typeface="Cambria Math" panose="02040503050406030204" pitchFamily="18" charset="0"/>
+                          </a:rPr>
+                          <m:t>, </m:t>
+                        </m:r>
+                        <m:r>
+                          <a:rPr lang="en-GB" i="1" kern="0" dirty="0">
+                            <a:latin typeface="Cambria Math" panose="02040503050406030204" pitchFamily="18" charset="0"/>
+                          </a:rPr>
+                          <m:t>3,</m:t>
+                        </m:r>
+                        <m:r>
+                          <a:rPr lang="en-GB" i="1" kern="0" dirty="0" smtClean="0">
+                            <a:latin typeface="Cambria Math" panose="02040503050406030204" pitchFamily="18" charset="0"/>
+                          </a:rPr>
+                          <m:t> 3</m:t>
+                        </m:r>
+                      </m:e>
+                    </m:d>
+                    <m:r>
+                      <a:rPr lang="en-GB" i="1" kern="0" dirty="0" smtClean="0">
+                        <a:latin typeface="Cambria Math" panose="02040503050406030204" pitchFamily="18" charset="0"/>
+                      </a:rPr>
+                      <m:t>, </m:t>
+                    </m:r>
+                    <m:sSub>
+                      <m:sSubPr>
+                        <m:ctrlPr>
+                          <a:rPr lang="en-GB" i="1" kern="0" dirty="0" smtClean="0">
+                            <a:latin typeface="Cambria Math" panose="02040503050406030204" pitchFamily="18" charset="0"/>
+                          </a:rPr>
+                        </m:ctrlPr>
+                      </m:sSubPr>
+                      <m:e>
+                        <m:r>
+                          <a:rPr lang="en-GB" i="1" kern="0" dirty="0" smtClean="0">
+                            <a:latin typeface="Cambria Math" panose="02040503050406030204" pitchFamily="18" charset="0"/>
+                          </a:rPr>
+                          <m:t>𝜏</m:t>
+                        </m:r>
+                      </m:e>
+                      <m:sub>
+                        <m:r>
+                          <a:rPr lang="en-GB" i="1" kern="0" dirty="0" smtClean="0">
+                            <a:latin typeface="Cambria Math" panose="02040503050406030204" pitchFamily="18" charset="0"/>
+                          </a:rPr>
+                          <m:t>2</m:t>
+                        </m:r>
+                      </m:sub>
+                    </m:sSub>
+                    <m:r>
+                      <a:rPr lang="en-GB" i="1" kern="0" dirty="0" smtClean="0">
+                        <a:latin typeface="Cambria Math" panose="02040503050406030204" pitchFamily="18" charset="0"/>
+                      </a:rPr>
+                      <m:t>=</m:t>
+                    </m:r>
+                    <m:d>
+                      <m:dPr>
+                        <m:ctrlPr>
+                          <a:rPr lang="en-GB" i="1" kern="0" dirty="0" smtClean="0">
+                            <a:solidFill>
+                              <a:schemeClr val="tx1"/>
+                            </a:solidFill>
+                            <a:latin typeface="Cambria Math" panose="02040503050406030204" pitchFamily="18" charset="0"/>
+                          </a:rPr>
+                        </m:ctrlPr>
+                      </m:dPr>
+                      <m:e>
+                        <m:r>
+                          <a:rPr lang="en-GB" i="1" kern="0" dirty="0" smtClean="0">
+                            <a:solidFill>
+                              <a:schemeClr val="tx1"/>
+                            </a:solidFill>
+                            <a:latin typeface="Cambria Math" panose="02040503050406030204" pitchFamily="18" charset="0"/>
+                          </a:rPr>
+                          <m:t>1, 4, </m:t>
+                        </m:r>
+                        <m:r>
+                          <a:rPr lang="en-GB" b="0" i="1" kern="0" dirty="0" smtClean="0">
+                            <a:solidFill>
+                              <a:schemeClr val="tx1"/>
+                            </a:solidFill>
+                            <a:latin typeface="Cambria Math" panose="02040503050406030204" pitchFamily="18" charset="0"/>
+                          </a:rPr>
+                          <m:t>2</m:t>
+                        </m:r>
+                      </m:e>
+                    </m:d>
+                    <m:r>
+                      <a:rPr lang="en-GB" i="1" kern="0" dirty="0" smtClean="0">
+                        <a:latin typeface="Cambria Math" panose="02040503050406030204" pitchFamily="18" charset="0"/>
+                      </a:rPr>
+                      <m:t>, </m:t>
+                    </m:r>
+                    <m:sSub>
+                      <m:sSubPr>
+                        <m:ctrlPr>
+                          <a:rPr lang="en-GB" i="1" kern="0" dirty="0" smtClean="0">
+                            <a:latin typeface="Cambria Math" panose="02040503050406030204" pitchFamily="18" charset="0"/>
+                          </a:rPr>
+                        </m:ctrlPr>
+                      </m:sSubPr>
+                      <m:e>
+                        <m:r>
+                          <a:rPr lang="en-GB" i="1" kern="0" dirty="0" smtClean="0">
+                            <a:latin typeface="Cambria Math" panose="02040503050406030204" pitchFamily="18" charset="0"/>
+                          </a:rPr>
+                          <m:t>𝜏</m:t>
+                        </m:r>
+                      </m:e>
+                      <m:sub>
+                        <m:r>
+                          <a:rPr lang="en-GB" i="1" kern="0" dirty="0" smtClean="0">
+                            <a:latin typeface="Cambria Math" panose="02040503050406030204" pitchFamily="18" charset="0"/>
+                          </a:rPr>
+                          <m:t>3</m:t>
+                        </m:r>
+                      </m:sub>
+                    </m:sSub>
+                    <m:r>
+                      <a:rPr lang="en-GB" i="1" kern="0" dirty="0" smtClean="0">
+                        <a:latin typeface="Cambria Math" panose="02040503050406030204" pitchFamily="18" charset="0"/>
+                      </a:rPr>
+                      <m:t>=(2, 6, 6)</m:t>
+                    </m:r>
+                  </m:oMath>
+                </a14:m>
+                <a:endParaRPr lang="en-GB" sz="2400" b="0" dirty="0">
+                  <a:latin typeface="Times New Roman"/>
+                  <a:cs typeface="Times New Roman"/>
+                </a:endParaRPr>
+              </a:p>
+            </p:txBody>
+          </p:sp>
+        </mc:Choice>
+        <mc:Fallback xmlns="">
+          <p:sp>
+            <p:nvSpPr>
+              <p:cNvPr id="3" name="Content Placeholder 2">
+                <a:extLst>
+                  <a:ext uri="{FF2B5EF4-FFF2-40B4-BE49-F238E27FC236}">
+                    <a16:creationId xmlns:a16="http://schemas.microsoft.com/office/drawing/2014/main" id="{3E07DE19-F69C-27CF-675A-7FEAA451EB1B}"/>
+                  </a:ext>
+                </a:extLst>
+              </p:cNvPr>
+              <p:cNvSpPr>
+                <a:spLocks noGrp="1" noRot="1" noChangeAspect="1" noMove="1" noResize="1" noEditPoints="1" noAdjustHandles="1" noChangeArrowheads="1" noChangeShapeType="1" noTextEdit="1"/>
+              </p:cNvSpPr>
+              <p:nvPr>
+                <p:ph idx="1"/>
+              </p:nvPr>
+            </p:nvSpPr>
+            <p:spPr>
+              <a:blipFill>
+                <a:blip r:embed="rId2"/>
+                <a:stretch>
+                  <a:fillRect l="-1038" t="-2148" r="-1326"/>
+                </a:stretch>
+              </a:blipFill>
+            </p:spPr>
+            <p:txBody>
+              <a:bodyPr/>
+              <a:lstStyle/>
+              <a:p>
+                <a:r>
+                  <a:rPr lang="en-SE">
+                    <a:noFill/>
+                  </a:rPr>
+                  <a:t> </a:t>
+                </a:r>
+              </a:p>
+            </p:txBody>
+          </p:sp>
+        </mc:Fallback>
+      </mc:AlternateContent>
+    </p:spTree>
+    <p:extLst>
+      <p:ext uri="{BB962C8B-B14F-4D97-AF65-F5344CB8AC3E}">
+        <p14:creationId xmlns:p14="http://schemas.microsoft.com/office/powerpoint/2010/main" val="404720762"/>
+      </p:ext>
+    </p:extLst>
+  </p:cSld>
+  <p:clrMapOvr>
+    <a:masterClrMapping/>
+  </p:clrMapOvr>
+  <p:transition/>
+</p:sld>
+</file>
+
+<file path=ppt/slides/slide4.xml><?xml version="1.0" encoding="utf-8"?>
+<p:sld xmlns:a="http://schemas.openxmlformats.org/drawingml/2006/main" xmlns:r="http://schemas.openxmlformats.org/officeDocument/2006/relationships" xmlns:p="http://schemas.openxmlformats.org/presentationml/2006/main">
+  <p:cSld>
+    <p:spTree>
+      <p:nvGrpSpPr>
+        <p:cNvPr id="1" name=""/>
+        <p:cNvGrpSpPr/>
+        <p:nvPr/>
+      </p:nvGrpSpPr>
+      <p:grpSpPr>
+        <a:xfrm>
+          <a:off x="0" y="0"/>
+          <a:ext cx="0" cy="0"/>
+          <a:chOff x="0" y="0"/>
+          <a:chExt cx="0" cy="0"/>
+        </a:xfrm>
+      </p:grpSpPr>
+      <p:sp>
+        <p:nvSpPr>
+          <p:cNvPr id="2" name="Title 1">
+            <a:extLst>
+              <a:ext uri="{FF2B5EF4-FFF2-40B4-BE49-F238E27FC236}">
+                <a16:creationId xmlns:a16="http://schemas.microsoft.com/office/drawing/2014/main" id="{E52111B1-2C71-18AF-5E0A-FC45D9A92A91}"/>
+              </a:ext>
+            </a:extLst>
+          </p:cNvPr>
+          <p:cNvSpPr>
+            <a:spLocks noGrp="1"/>
+          </p:cNvSpPr>
+          <p:nvPr>
+            <p:ph type="title"/>
+          </p:nvPr>
+        </p:nvSpPr>
+        <p:spPr/>
+        <p:txBody>
+          <a:bodyPr/>
+          <a:lstStyle/>
+          <a:p>
+            <a:r>
+              <a:rPr lang="en-GB" dirty="0"/>
+              <a:t>Q3 RM, EDF, LLF</a:t>
             </a:r>
             <a:endParaRPr lang="en-SE" dirty="0"/>
           </a:p>
@@ -3709,7 +5958,7 @@
           <p:cNvPr id="4" name="Table 3">
             <a:extLst>
               <a:ext uri="{FF2B5EF4-FFF2-40B4-BE49-F238E27FC236}">
-                <a16:creationId xmlns:a16="http://schemas.microsoft.com/office/drawing/2014/main" id="{3A6A1B79-561C-52CC-3B79-D5B7A782AA0A}"/>
+                <a16:creationId xmlns:a16="http://schemas.microsoft.com/office/drawing/2014/main" id="{C1F7241A-9F49-3308-B076-7C947D67D36A}"/>
               </a:ext>
             </a:extLst>
           </p:cNvPr>
@@ -3719,13 +5968,13 @@
           <p:nvPr>
             <p:extLst>
               <p:ext uri="{D42A27DB-BD31-4B8C-83A1-F6EECF244321}">
-                <p14:modId xmlns:p14="http://schemas.microsoft.com/office/powerpoint/2010/main" val="3037724561"/>
+                <p14:modId xmlns:p14="http://schemas.microsoft.com/office/powerpoint/2010/main" val="826299556"/>
               </p:ext>
             </p:extLst>
           </p:nvPr>
         </p:nvGraphicFramePr>
         <p:xfrm>
-          <a:off x="685800" y="4599430"/>
+          <a:off x="685800" y="4956047"/>
           <a:ext cx="5939140" cy="1112520"/>
         </p:xfrm>
         <a:graphic>
@@ -4215,17 +6464,23 @@
           <p:cNvPr id="5" name="Table 4">
             <a:extLst>
               <a:ext uri="{FF2B5EF4-FFF2-40B4-BE49-F238E27FC236}">
-                <a16:creationId xmlns:a16="http://schemas.microsoft.com/office/drawing/2014/main" id="{4DECD1EC-5113-88A6-F656-897C4FD22073}"/>
+                <a16:creationId xmlns:a16="http://schemas.microsoft.com/office/drawing/2014/main" id="{DE5CA098-74CC-14AB-154F-847CC1FF80F3}"/>
               </a:ext>
             </a:extLst>
           </p:cNvPr>
           <p:cNvGraphicFramePr>
             <a:graphicFrameLocks noGrp="1"/>
           </p:cNvGraphicFramePr>
-          <p:nvPr/>
+          <p:nvPr>
+            <p:extLst>
+              <p:ext uri="{D42A27DB-BD31-4B8C-83A1-F6EECF244321}">
+                <p14:modId xmlns:p14="http://schemas.microsoft.com/office/powerpoint/2010/main" val="1474266891"/>
+              </p:ext>
+            </p:extLst>
+          </p:nvPr>
         </p:nvGraphicFramePr>
         <p:xfrm>
-          <a:off x="446442" y="5810503"/>
+          <a:off x="446442" y="6167120"/>
           <a:ext cx="6339473" cy="370840"/>
         </p:xfrm>
         <a:graphic>
@@ -4515,7 +6770,7 @@
           <p:cNvPr id="6" name="Content Placeholder 2">
             <a:extLst>
               <a:ext uri="{FF2B5EF4-FFF2-40B4-BE49-F238E27FC236}">
-                <a16:creationId xmlns:a16="http://schemas.microsoft.com/office/drawing/2014/main" id="{7CDA884D-EC35-75A6-F9DD-7894E752F582}"/>
+                <a16:creationId xmlns:a16="http://schemas.microsoft.com/office/drawing/2014/main" id="{6402DF23-CBA6-7CE6-7B50-736DFCFEC8F0}"/>
               </a:ext>
             </a:extLst>
           </p:cNvPr>
@@ -4526,7 +6781,7 @@
         </p:nvSpPr>
         <p:spPr bwMode="auto">
           <a:xfrm>
-            <a:off x="3489901" y="6090474"/>
+            <a:off x="3489901" y="6447091"/>
             <a:ext cx="1676400" cy="395575"/>
           </a:xfrm>
           <a:prstGeom prst="rect">
@@ -4784,7 +7039,7 @@
           <p:cNvPr id="11" name="表格 6">
             <a:extLst>
               <a:ext uri="{FF2B5EF4-FFF2-40B4-BE49-F238E27FC236}">
-                <a16:creationId xmlns:a16="http://schemas.microsoft.com/office/drawing/2014/main" id="{BB39D186-A2FB-588D-C40A-BE7BA7E3E060}"/>
+                <a16:creationId xmlns:a16="http://schemas.microsoft.com/office/drawing/2014/main" id="{3683D5F6-1A71-DA07-1542-6A092DB39B22}"/>
               </a:ext>
             </a:extLst>
           </p:cNvPr>
@@ -4794,13 +7049,13 @@
           <p:nvPr>
             <p:extLst>
               <p:ext uri="{D42A27DB-BD31-4B8C-83A1-F6EECF244321}">
-                <p14:modId xmlns:p14="http://schemas.microsoft.com/office/powerpoint/2010/main" val="3816959751"/>
+                <p14:modId xmlns:p14="http://schemas.microsoft.com/office/powerpoint/2010/main" val="1196089024"/>
               </p:ext>
             </p:extLst>
           </p:nvPr>
         </p:nvGraphicFramePr>
         <p:xfrm>
-          <a:off x="685800" y="2644990"/>
+          <a:off x="685800" y="3069337"/>
           <a:ext cx="6950138" cy="1432560"/>
         </p:xfrm>
         <a:graphic>
@@ -5478,7 +7733,7 @@
           <p:cNvPr id="19" name="Table 18">
             <a:extLst>
               <a:ext uri="{FF2B5EF4-FFF2-40B4-BE49-F238E27FC236}">
-                <a16:creationId xmlns:a16="http://schemas.microsoft.com/office/drawing/2014/main" id="{E2E44A43-C812-A6A2-CF9B-4585C5E4504A}"/>
+                <a16:creationId xmlns:a16="http://schemas.microsoft.com/office/drawing/2014/main" id="{E1AEF616-4875-AB5E-BD90-2DBD7FD4223C}"/>
               </a:ext>
             </a:extLst>
           </p:cNvPr>
@@ -5488,13 +7743,13 @@
           <p:nvPr>
             <p:extLst>
               <p:ext uri="{D42A27DB-BD31-4B8C-83A1-F6EECF244321}">
-                <p14:modId xmlns:p14="http://schemas.microsoft.com/office/powerpoint/2010/main" val="1147940492"/>
+                <p14:modId xmlns:p14="http://schemas.microsoft.com/office/powerpoint/2010/main" val="4013003893"/>
               </p:ext>
             </p:extLst>
           </p:nvPr>
         </p:nvGraphicFramePr>
         <p:xfrm>
-          <a:off x="8338502" y="2644990"/>
+          <a:off x="7769102" y="2667000"/>
           <a:ext cx="3798593" cy="3870960"/>
         </p:xfrm>
         <a:graphic>
@@ -5782,7 +8037,6 @@
                     <a:bodyPr/>
                     <a:lstStyle/>
                     <a:p>
-                      <a:pPr/>
                       <a:endParaRPr lang="el-GR" sz="1600" dirty="0">
                         <a:effectLst/>
                         <a:latin typeface="Tahoma" panose="020B0604030504040204" pitchFamily="34" charset="0"/>
@@ -6061,7 +8315,6 @@
                     <a:bodyPr/>
                     <a:lstStyle/>
                     <a:p>
-                      <a:pPr/>
                       <a:endParaRPr lang="el-GR" sz="1600" dirty="0">
                         <a:effectLst/>
                         <a:latin typeface="Tahoma" panose="020B0604030504040204" pitchFamily="34" charset="0"/>
@@ -6757,10 +9010,10 @@
       </p:graphicFrame>
       <p:sp>
         <p:nvSpPr>
-          <p:cNvPr id="3" name="Content Placeholder 2">
+          <p:cNvPr id="30" name="Content Placeholder 2">
             <a:extLst>
               <a:ext uri="{FF2B5EF4-FFF2-40B4-BE49-F238E27FC236}">
-                <a16:creationId xmlns:a16="http://schemas.microsoft.com/office/drawing/2014/main" id="{D675F632-8B66-A754-C4C7-BB3B39523AC8}"/>
+                <a16:creationId xmlns:a16="http://schemas.microsoft.com/office/drawing/2014/main" id="{2E58F4D3-129A-D073-45BF-93E4D78E95EC}"/>
               </a:ext>
             </a:extLst>
           </p:cNvPr>
@@ -6773,17 +9026,39 @@
         </p:nvSpPr>
         <p:spPr>
           <a:xfrm>
-            <a:off x="812800" y="914400"/>
-            <a:ext cx="10566400" cy="5105400"/>
+            <a:off x="812800" y="914399"/>
+            <a:ext cx="10566400" cy="1981201"/>
           </a:xfrm>
         </p:spPr>
         <p:txBody>
-          <a:bodyPr/>
+          <a:bodyPr>
+            <a:normAutofit fontScale="92500" lnSpcReduction="20000"/>
+          </a:bodyPr>
           <a:lstStyle/>
           <a:p>
             <a:r>
               <a:rPr lang="en-GB" dirty="0"/>
-              <a:t>Consider the set of 2 periodic tasks whose period, deadline and WCET parameters are given. For each scheduling algorithm (RM, EDF, LLF), draw the Gantt chart by filling in the table with the task ID that runs in each time slot, and calculate the WCRT for each task.</a:t>
+              <a:t>Consider the set of 2 periodic tasks whose period, deadline and WCET parameters are given. </a:t>
+            </a:r>
+          </a:p>
+          <a:p>
+            <a:r>
+              <a:rPr lang="en-GB" dirty="0"/>
+              <a:t>1. For each scheduling algorithm (RM, EDF, LLF), draw the Gantt chart by filling in the table with the task ID that runs in each time slot until time 10, and calculate the WCRT for each task.</a:t>
+            </a:r>
+          </a:p>
+          <a:p>
+            <a:r>
+              <a:rPr lang="en-GB" dirty="0"/>
+              <a:t>2. Under RM scheduling,  use utilization bound and Response Time Analysis (RTA) to determine taskset </a:t>
+            </a:r>
+            <a:r>
+              <a:rPr lang="en-GB" dirty="0" err="1"/>
+              <a:t>schedulability</a:t>
+            </a:r>
+            <a:r>
+              <a:rPr lang="en-GB" dirty="0"/>
+              <a:t>.</a:t>
             </a:r>
             <a:endParaRPr lang="en-SE" dirty="0"/>
           </a:p>
@@ -6792,7 +9067,7 @@
     </p:spTree>
     <p:extLst>
       <p:ext uri="{BB962C8B-B14F-4D97-AF65-F5344CB8AC3E}">
-        <p14:creationId xmlns:p14="http://schemas.microsoft.com/office/powerpoint/2010/main" val="4149208870"/>
+        <p14:creationId xmlns:p14="http://schemas.microsoft.com/office/powerpoint/2010/main" val="104741044"/>
       </p:ext>
     </p:extLst>
   </p:cSld>
